--- a/docs/final powerpoint.pptx
+++ b/docs/final powerpoint.pptx
@@ -9,7 +9,7 @@
     <p:notesMasterId r:id="rId5"/>
   </p:notesMasterIdLst>
   <p:handoutMasterIdLst>
-    <p:handoutMasterId r:id="rId42"/>
+    <p:handoutMasterId r:id="rId51"/>
   </p:handoutMasterIdLst>
   <p:sldIdLst>
     <p:sldId id="260" r:id="rId4"/>
@@ -35,25 +35,34 @@
     <p:sldId id="396" r:id="rId25"/>
     <p:sldId id="370" r:id="rId26"/>
     <p:sldId id="404" r:id="rId27"/>
-    <p:sldId id="405" r:id="rId28"/>
-    <p:sldId id="366" r:id="rId29"/>
-    <p:sldId id="388" r:id="rId30"/>
-    <p:sldId id="389" r:id="rId31"/>
-    <p:sldId id="285" r:id="rId32"/>
-    <p:sldId id="415" r:id="rId33"/>
-    <p:sldId id="364" r:id="rId34"/>
-    <p:sldId id="411" r:id="rId35"/>
-    <p:sldId id="369" r:id="rId36"/>
-    <p:sldId id="400" r:id="rId37"/>
-    <p:sldId id="401" r:id="rId38"/>
-    <p:sldId id="371" r:id="rId39"/>
-    <p:sldId id="407" r:id="rId40"/>
-    <p:sldId id="340" r:id="rId41"/>
+    <p:sldId id="506" r:id="rId28"/>
+    <p:sldId id="507" r:id="rId29"/>
+    <p:sldId id="512" r:id="rId30"/>
+    <p:sldId id="513" r:id="rId31"/>
+    <p:sldId id="511" r:id="rId32"/>
+    <p:sldId id="514" r:id="rId33"/>
+    <p:sldId id="515" r:id="rId34"/>
+    <p:sldId id="516" r:id="rId35"/>
+    <p:sldId id="517" r:id="rId36"/>
+    <p:sldId id="405" r:id="rId37"/>
+    <p:sldId id="366" r:id="rId38"/>
+    <p:sldId id="388" r:id="rId39"/>
+    <p:sldId id="389" r:id="rId40"/>
+    <p:sldId id="285" r:id="rId41"/>
+    <p:sldId id="415" r:id="rId42"/>
+    <p:sldId id="364" r:id="rId43"/>
+    <p:sldId id="411" r:id="rId44"/>
+    <p:sldId id="369" r:id="rId45"/>
+    <p:sldId id="400" r:id="rId46"/>
+    <p:sldId id="401" r:id="rId47"/>
+    <p:sldId id="371" r:id="rId48"/>
+    <p:sldId id="407" r:id="rId49"/>
+    <p:sldId id="340" r:id="rId50"/>
   </p:sldIdLst>
   <p:sldSz cx="12192000" cy="6858000"/>
   <p:notesSz cx="6858000" cy="9144000"/>
   <p:custDataLst>
-    <p:tags r:id="rId46"/>
+    <p:tags r:id="rId55"/>
   </p:custDataLst>
   <p:defaultTextStyle>
     <a:defPPr>
@@ -1716,7 +1725,511 @@
 </p:notes>
 </file>
 
+<file path=ppt/notesSlides/notesSlide27.xml><?xml version="1.0" encoding="utf-8"?>
+<p:notes xmlns:a="http://schemas.openxmlformats.org/drawingml/2006/main" xmlns:r="http://schemas.openxmlformats.org/officeDocument/2006/relationships" xmlns:p="http://schemas.openxmlformats.org/presentationml/2006/main">
+  <p:cSld>
+    <p:spTree>
+      <p:nvGrpSpPr>
+        <p:cNvPr id="1" name=""/>
+        <p:cNvGrpSpPr/>
+        <p:nvPr/>
+      </p:nvGrpSpPr>
+      <p:grpSpPr>
+        <a:xfrm>
+          <a:off x="0" y="0"/>
+          <a:ext cx="0" cy="0"/>
+          <a:chOff x="0" y="0"/>
+          <a:chExt cx="0" cy="0"/>
+        </a:xfrm>
+      </p:grpSpPr>
+      <p:sp>
+        <p:nvSpPr>
+          <p:cNvPr id="2" name="幻灯片图像占位符 1"/>
+          <p:cNvSpPr>
+            <a:spLocks noGrp="1" noRot="1" noChangeAspect="1"/>
+          </p:cNvSpPr>
+          <p:nvPr>
+            <p:ph type="sldImg"/>
+          </p:nvPr>
+        </p:nvSpPr>
+        <p:spPr/>
+      </p:sp>
+      <p:sp>
+        <p:nvSpPr>
+          <p:cNvPr id="3" name="备注占位符 2"/>
+          <p:cNvSpPr>
+            <a:spLocks noGrp="1"/>
+          </p:cNvSpPr>
+          <p:nvPr>
+            <p:ph type="body" idx="1"/>
+          </p:nvPr>
+        </p:nvSpPr>
+        <p:spPr/>
+        <p:txBody>
+          <a:bodyPr/>
+          <a:lstStyle/>
+          <a:p>
+            <a:endParaRPr lang="zh-CN" altLang="en-US"/>
+          </a:p>
+        </p:txBody>
+      </p:sp>
+    </p:spTree>
+  </p:cSld>
+  <p:clrMapOvr>
+    <a:masterClrMapping/>
+  </p:clrMapOvr>
+</p:notes>
+</file>
+
+<file path=ppt/notesSlides/notesSlide28.xml><?xml version="1.0" encoding="utf-8"?>
+<p:notes xmlns:a="http://schemas.openxmlformats.org/drawingml/2006/main" xmlns:r="http://schemas.openxmlformats.org/officeDocument/2006/relationships" xmlns:p="http://schemas.openxmlformats.org/presentationml/2006/main">
+  <p:cSld>
+    <p:spTree>
+      <p:nvGrpSpPr>
+        <p:cNvPr id="1" name=""/>
+        <p:cNvGrpSpPr/>
+        <p:nvPr/>
+      </p:nvGrpSpPr>
+      <p:grpSpPr>
+        <a:xfrm>
+          <a:off x="0" y="0"/>
+          <a:ext cx="0" cy="0"/>
+          <a:chOff x="0" y="0"/>
+          <a:chExt cx="0" cy="0"/>
+        </a:xfrm>
+      </p:grpSpPr>
+      <p:sp>
+        <p:nvSpPr>
+          <p:cNvPr id="2" name="幻灯片图像占位符 1"/>
+          <p:cNvSpPr>
+            <a:spLocks noGrp="1" noRot="1" noChangeAspect="1"/>
+          </p:cNvSpPr>
+          <p:nvPr>
+            <p:ph type="sldImg"/>
+          </p:nvPr>
+        </p:nvSpPr>
+        <p:spPr/>
+      </p:sp>
+      <p:sp>
+        <p:nvSpPr>
+          <p:cNvPr id="3" name="备注占位符 2"/>
+          <p:cNvSpPr>
+            <a:spLocks noGrp="1"/>
+          </p:cNvSpPr>
+          <p:nvPr>
+            <p:ph type="body" idx="1"/>
+          </p:nvPr>
+        </p:nvSpPr>
+        <p:spPr/>
+        <p:txBody>
+          <a:bodyPr/>
+          <a:lstStyle/>
+          <a:p>
+            <a:endParaRPr lang="zh-CN" altLang="en-US"/>
+          </a:p>
+        </p:txBody>
+      </p:sp>
+    </p:spTree>
+  </p:cSld>
+  <p:clrMapOvr>
+    <a:masterClrMapping/>
+  </p:clrMapOvr>
+</p:notes>
+</file>
+
+<file path=ppt/notesSlides/notesSlide29.xml><?xml version="1.0" encoding="utf-8"?>
+<p:notes xmlns:a="http://schemas.openxmlformats.org/drawingml/2006/main" xmlns:r="http://schemas.openxmlformats.org/officeDocument/2006/relationships" xmlns:p="http://schemas.openxmlformats.org/presentationml/2006/main">
+  <p:cSld>
+    <p:spTree>
+      <p:nvGrpSpPr>
+        <p:cNvPr id="1" name=""/>
+        <p:cNvGrpSpPr/>
+        <p:nvPr/>
+      </p:nvGrpSpPr>
+      <p:grpSpPr>
+        <a:xfrm>
+          <a:off x="0" y="0"/>
+          <a:ext cx="0" cy="0"/>
+          <a:chOff x="0" y="0"/>
+          <a:chExt cx="0" cy="0"/>
+        </a:xfrm>
+      </p:grpSpPr>
+      <p:sp>
+        <p:nvSpPr>
+          <p:cNvPr id="2" name="幻灯片图像占位符 1"/>
+          <p:cNvSpPr>
+            <a:spLocks noGrp="1" noRot="1" noChangeAspect="1"/>
+          </p:cNvSpPr>
+          <p:nvPr>
+            <p:ph type="sldImg"/>
+          </p:nvPr>
+        </p:nvSpPr>
+        <p:spPr/>
+      </p:sp>
+      <p:sp>
+        <p:nvSpPr>
+          <p:cNvPr id="3" name="备注占位符 2"/>
+          <p:cNvSpPr>
+            <a:spLocks noGrp="1"/>
+          </p:cNvSpPr>
+          <p:nvPr>
+            <p:ph type="body" idx="1"/>
+          </p:nvPr>
+        </p:nvSpPr>
+        <p:spPr/>
+        <p:txBody>
+          <a:bodyPr/>
+          <a:lstStyle/>
+          <a:p>
+            <a:endParaRPr lang="zh-CN" altLang="en-US"/>
+          </a:p>
+        </p:txBody>
+      </p:sp>
+    </p:spTree>
+  </p:cSld>
+  <p:clrMapOvr>
+    <a:masterClrMapping/>
+  </p:clrMapOvr>
+</p:notes>
+</file>
+
 <file path=ppt/notesSlides/notesSlide3.xml><?xml version="1.0" encoding="utf-8"?>
+<p:notes xmlns:a="http://schemas.openxmlformats.org/drawingml/2006/main" xmlns:r="http://schemas.openxmlformats.org/officeDocument/2006/relationships" xmlns:p="http://schemas.openxmlformats.org/presentationml/2006/main">
+  <p:cSld>
+    <p:spTree>
+      <p:nvGrpSpPr>
+        <p:cNvPr id="1" name=""/>
+        <p:cNvGrpSpPr/>
+        <p:nvPr/>
+      </p:nvGrpSpPr>
+      <p:grpSpPr>
+        <a:xfrm>
+          <a:off x="0" y="0"/>
+          <a:ext cx="0" cy="0"/>
+          <a:chOff x="0" y="0"/>
+          <a:chExt cx="0" cy="0"/>
+        </a:xfrm>
+      </p:grpSpPr>
+      <p:sp>
+        <p:nvSpPr>
+          <p:cNvPr id="2" name="幻灯片图像占位符 1"/>
+          <p:cNvSpPr>
+            <a:spLocks noGrp="1" noRot="1" noChangeAspect="1"/>
+          </p:cNvSpPr>
+          <p:nvPr>
+            <p:ph type="sldImg"/>
+          </p:nvPr>
+        </p:nvSpPr>
+        <p:spPr/>
+      </p:sp>
+      <p:sp>
+        <p:nvSpPr>
+          <p:cNvPr id="3" name="备注占位符 2"/>
+          <p:cNvSpPr>
+            <a:spLocks noGrp="1"/>
+          </p:cNvSpPr>
+          <p:nvPr>
+            <p:ph type="body" idx="1"/>
+          </p:nvPr>
+        </p:nvSpPr>
+        <p:spPr/>
+        <p:txBody>
+          <a:bodyPr/>
+          <a:lstStyle/>
+          <a:p>
+            <a:endParaRPr lang="zh-CN" altLang="en-US"/>
+          </a:p>
+        </p:txBody>
+      </p:sp>
+    </p:spTree>
+  </p:cSld>
+  <p:clrMapOvr>
+    <a:masterClrMapping/>
+  </p:clrMapOvr>
+</p:notes>
+</file>
+
+<file path=ppt/notesSlides/notesSlide30.xml><?xml version="1.0" encoding="utf-8"?>
+<p:notes xmlns:a="http://schemas.openxmlformats.org/drawingml/2006/main" xmlns:r="http://schemas.openxmlformats.org/officeDocument/2006/relationships" xmlns:p="http://schemas.openxmlformats.org/presentationml/2006/main">
+  <p:cSld>
+    <p:spTree>
+      <p:nvGrpSpPr>
+        <p:cNvPr id="1" name=""/>
+        <p:cNvGrpSpPr/>
+        <p:nvPr/>
+      </p:nvGrpSpPr>
+      <p:grpSpPr>
+        <a:xfrm>
+          <a:off x="0" y="0"/>
+          <a:ext cx="0" cy="0"/>
+          <a:chOff x="0" y="0"/>
+          <a:chExt cx="0" cy="0"/>
+        </a:xfrm>
+      </p:grpSpPr>
+      <p:sp>
+        <p:nvSpPr>
+          <p:cNvPr id="2" name="幻灯片图像占位符 1"/>
+          <p:cNvSpPr>
+            <a:spLocks noGrp="1" noRot="1" noChangeAspect="1"/>
+          </p:cNvSpPr>
+          <p:nvPr>
+            <p:ph type="sldImg"/>
+          </p:nvPr>
+        </p:nvSpPr>
+        <p:spPr/>
+      </p:sp>
+      <p:sp>
+        <p:nvSpPr>
+          <p:cNvPr id="3" name="备注占位符 2"/>
+          <p:cNvSpPr>
+            <a:spLocks noGrp="1"/>
+          </p:cNvSpPr>
+          <p:nvPr>
+            <p:ph type="body" idx="1"/>
+          </p:nvPr>
+        </p:nvSpPr>
+        <p:spPr/>
+        <p:txBody>
+          <a:bodyPr/>
+          <a:lstStyle/>
+          <a:p>
+            <a:endParaRPr lang="zh-CN" altLang="en-US"/>
+          </a:p>
+        </p:txBody>
+      </p:sp>
+    </p:spTree>
+  </p:cSld>
+  <p:clrMapOvr>
+    <a:masterClrMapping/>
+  </p:clrMapOvr>
+</p:notes>
+</file>
+
+<file path=ppt/notesSlides/notesSlide31.xml><?xml version="1.0" encoding="utf-8"?>
+<p:notes xmlns:a="http://schemas.openxmlformats.org/drawingml/2006/main" xmlns:r="http://schemas.openxmlformats.org/officeDocument/2006/relationships" xmlns:p="http://schemas.openxmlformats.org/presentationml/2006/main">
+  <p:cSld>
+    <p:spTree>
+      <p:nvGrpSpPr>
+        <p:cNvPr id="1" name=""/>
+        <p:cNvGrpSpPr/>
+        <p:nvPr/>
+      </p:nvGrpSpPr>
+      <p:grpSpPr>
+        <a:xfrm>
+          <a:off x="0" y="0"/>
+          <a:ext cx="0" cy="0"/>
+          <a:chOff x="0" y="0"/>
+          <a:chExt cx="0" cy="0"/>
+        </a:xfrm>
+      </p:grpSpPr>
+      <p:sp>
+        <p:nvSpPr>
+          <p:cNvPr id="2" name="幻灯片图像占位符 1"/>
+          <p:cNvSpPr>
+            <a:spLocks noGrp="1" noRot="1" noChangeAspect="1"/>
+          </p:cNvSpPr>
+          <p:nvPr>
+            <p:ph type="sldImg"/>
+          </p:nvPr>
+        </p:nvSpPr>
+        <p:spPr/>
+      </p:sp>
+      <p:sp>
+        <p:nvSpPr>
+          <p:cNvPr id="3" name="备注占位符 2"/>
+          <p:cNvSpPr>
+            <a:spLocks noGrp="1"/>
+          </p:cNvSpPr>
+          <p:nvPr>
+            <p:ph type="body" idx="1"/>
+          </p:nvPr>
+        </p:nvSpPr>
+        <p:spPr/>
+        <p:txBody>
+          <a:bodyPr/>
+          <a:lstStyle/>
+          <a:p>
+            <a:endParaRPr lang="zh-CN" altLang="en-US"/>
+          </a:p>
+        </p:txBody>
+      </p:sp>
+    </p:spTree>
+  </p:cSld>
+  <p:clrMapOvr>
+    <a:masterClrMapping/>
+  </p:clrMapOvr>
+</p:notes>
+</file>
+
+<file path=ppt/notesSlides/notesSlide32.xml><?xml version="1.0" encoding="utf-8"?>
+<p:notes xmlns:a="http://schemas.openxmlformats.org/drawingml/2006/main" xmlns:r="http://schemas.openxmlformats.org/officeDocument/2006/relationships" xmlns:p="http://schemas.openxmlformats.org/presentationml/2006/main">
+  <p:cSld>
+    <p:spTree>
+      <p:nvGrpSpPr>
+        <p:cNvPr id="1" name=""/>
+        <p:cNvGrpSpPr/>
+        <p:nvPr/>
+      </p:nvGrpSpPr>
+      <p:grpSpPr>
+        <a:xfrm>
+          <a:off x="0" y="0"/>
+          <a:ext cx="0" cy="0"/>
+          <a:chOff x="0" y="0"/>
+          <a:chExt cx="0" cy="0"/>
+        </a:xfrm>
+      </p:grpSpPr>
+      <p:sp>
+        <p:nvSpPr>
+          <p:cNvPr id="2" name="幻灯片图像占位符 1"/>
+          <p:cNvSpPr>
+            <a:spLocks noGrp="1" noRot="1" noChangeAspect="1"/>
+          </p:cNvSpPr>
+          <p:nvPr>
+            <p:ph type="sldImg"/>
+          </p:nvPr>
+        </p:nvSpPr>
+        <p:spPr/>
+      </p:sp>
+      <p:sp>
+        <p:nvSpPr>
+          <p:cNvPr id="3" name="备注占位符 2"/>
+          <p:cNvSpPr>
+            <a:spLocks noGrp="1"/>
+          </p:cNvSpPr>
+          <p:nvPr>
+            <p:ph type="body" idx="1"/>
+          </p:nvPr>
+        </p:nvSpPr>
+        <p:spPr/>
+        <p:txBody>
+          <a:bodyPr/>
+          <a:lstStyle/>
+          <a:p>
+            <a:endParaRPr lang="zh-CN" altLang="en-US"/>
+          </a:p>
+        </p:txBody>
+      </p:sp>
+    </p:spTree>
+  </p:cSld>
+  <p:clrMapOvr>
+    <a:masterClrMapping/>
+  </p:clrMapOvr>
+</p:notes>
+</file>
+
+<file path=ppt/notesSlides/notesSlide33.xml><?xml version="1.0" encoding="utf-8"?>
+<p:notes xmlns:a="http://schemas.openxmlformats.org/drawingml/2006/main" xmlns:r="http://schemas.openxmlformats.org/officeDocument/2006/relationships" xmlns:p="http://schemas.openxmlformats.org/presentationml/2006/main">
+  <p:cSld>
+    <p:spTree>
+      <p:nvGrpSpPr>
+        <p:cNvPr id="1" name=""/>
+        <p:cNvGrpSpPr/>
+        <p:nvPr/>
+      </p:nvGrpSpPr>
+      <p:grpSpPr>
+        <a:xfrm>
+          <a:off x="0" y="0"/>
+          <a:ext cx="0" cy="0"/>
+          <a:chOff x="0" y="0"/>
+          <a:chExt cx="0" cy="0"/>
+        </a:xfrm>
+      </p:grpSpPr>
+      <p:sp>
+        <p:nvSpPr>
+          <p:cNvPr id="2" name="幻灯片图像占位符 1"/>
+          <p:cNvSpPr>
+            <a:spLocks noGrp="1" noRot="1" noChangeAspect="1"/>
+          </p:cNvSpPr>
+          <p:nvPr>
+            <p:ph type="sldImg"/>
+          </p:nvPr>
+        </p:nvSpPr>
+        <p:spPr/>
+      </p:sp>
+      <p:sp>
+        <p:nvSpPr>
+          <p:cNvPr id="3" name="备注占位符 2"/>
+          <p:cNvSpPr>
+            <a:spLocks noGrp="1"/>
+          </p:cNvSpPr>
+          <p:nvPr>
+            <p:ph type="body" idx="1"/>
+          </p:nvPr>
+        </p:nvSpPr>
+        <p:spPr/>
+        <p:txBody>
+          <a:bodyPr/>
+          <a:lstStyle/>
+          <a:p>
+            <a:endParaRPr lang="zh-CN" altLang="en-US"/>
+          </a:p>
+        </p:txBody>
+      </p:sp>
+    </p:spTree>
+  </p:cSld>
+  <p:clrMapOvr>
+    <a:masterClrMapping/>
+  </p:clrMapOvr>
+</p:notes>
+</file>
+
+<file path=ppt/notesSlides/notesSlide34.xml><?xml version="1.0" encoding="utf-8"?>
+<p:notes xmlns:a="http://schemas.openxmlformats.org/drawingml/2006/main" xmlns:r="http://schemas.openxmlformats.org/officeDocument/2006/relationships" xmlns:p="http://schemas.openxmlformats.org/presentationml/2006/main">
+  <p:cSld>
+    <p:spTree>
+      <p:nvGrpSpPr>
+        <p:cNvPr id="1" name=""/>
+        <p:cNvGrpSpPr/>
+        <p:nvPr/>
+      </p:nvGrpSpPr>
+      <p:grpSpPr>
+        <a:xfrm>
+          <a:off x="0" y="0"/>
+          <a:ext cx="0" cy="0"/>
+          <a:chOff x="0" y="0"/>
+          <a:chExt cx="0" cy="0"/>
+        </a:xfrm>
+      </p:grpSpPr>
+      <p:sp>
+        <p:nvSpPr>
+          <p:cNvPr id="2" name="幻灯片图像占位符 1"/>
+          <p:cNvSpPr>
+            <a:spLocks noGrp="1" noRot="1" noChangeAspect="1"/>
+          </p:cNvSpPr>
+          <p:nvPr>
+            <p:ph type="sldImg"/>
+          </p:nvPr>
+        </p:nvSpPr>
+        <p:spPr/>
+      </p:sp>
+      <p:sp>
+        <p:nvSpPr>
+          <p:cNvPr id="3" name="备注占位符 2"/>
+          <p:cNvSpPr>
+            <a:spLocks noGrp="1"/>
+          </p:cNvSpPr>
+          <p:nvPr>
+            <p:ph type="body" idx="1"/>
+          </p:nvPr>
+        </p:nvSpPr>
+        <p:spPr/>
+        <p:txBody>
+          <a:bodyPr/>
+          <a:lstStyle/>
+          <a:p>
+            <a:endParaRPr lang="zh-CN" altLang="en-US"/>
+          </a:p>
+        </p:txBody>
+      </p:sp>
+    </p:spTree>
+  </p:cSld>
+  <p:clrMapOvr>
+    <a:masterClrMapping/>
+  </p:clrMapOvr>
+</p:notes>
+</file>
+
+<file path=ppt/notesSlides/notesSlide35.xml><?xml version="1.0" encoding="utf-8"?>
 <p:notes xmlns:a="http://schemas.openxmlformats.org/drawingml/2006/main" xmlns:r="http://schemas.openxmlformats.org/officeDocument/2006/relationships" xmlns:p="http://schemas.openxmlformats.org/presentationml/2006/main">
   <p:cSld>
     <p:spTree>
@@ -6704,6 +7217,79 @@
                                   </p:childTnLst>
                                 </p:cTn>
                               </p:par>
+                              <p:par>
+                                <p:cTn id="17" presetID="7" presetClass="entr" presetSubtype="4" fill="hold" grpId="0" nodeType="withEffect">
+                                  <p:stCondLst>
+                                    <p:cond delay="0"/>
+                                  </p:stCondLst>
+                                  <p:childTnLst>
+                                    <p:set>
+                                      <p:cBhvr>
+                                        <p:cTn id="18" dur="1000" fill="hold">
+                                          <p:stCondLst>
+                                            <p:cond delay="0"/>
+                                          </p:stCondLst>
+                                        </p:cTn>
+                                        <p:tgtEl>
+                                          <p:spTgt spid="4"/>
+                                        </p:tgtEl>
+                                        <p:attrNameLst>
+                                          <p:attrName>style.visibility</p:attrName>
+                                        </p:attrNameLst>
+                                      </p:cBhvr>
+                                      <p:to>
+                                        <p:strVal val="visible"/>
+                                      </p:to>
+                                    </p:set>
+                                    <p:anim calcmode="lin" valueType="num">
+                                      <p:cBhvr additive="base">
+                                        <p:cTn id="19" dur="1000" fill="hold"/>
+                                        <p:tgtEl>
+                                          <p:spTgt spid="4"/>
+                                        </p:tgtEl>
+                                        <p:attrNameLst>
+                                          <p:attrName>ppt_x</p:attrName>
+                                        </p:attrNameLst>
+                                      </p:cBhvr>
+                                      <p:tavLst>
+                                        <p:tav tm="0">
+                                          <p:val>
+                                            <p:strVal val="#ppt_x"/>
+                                          </p:val>
+                                        </p:tav>
+                                        <p:tav tm="100000">
+                                          <p:val>
+                                            <p:strVal val="#ppt_x"/>
+                                          </p:val>
+                                        </p:tav>
+                                      </p:tavLst>
+                                    </p:anim>
+                                    <p:anim calcmode="lin" valueType="num">
+                                      <p:cBhvr additive="base">
+                                        <p:cTn id="20" dur="1000" fill="hold"/>
+                                        <p:tgtEl>
+                                          <p:spTgt spid="4"/>
+                                        </p:tgtEl>
+                                        <p:attrNameLst>
+                                          <p:attrName>ppt_y</p:attrName>
+                                        </p:attrNameLst>
+                                      </p:cBhvr>
+                                      <p:tavLst>
+                                        <p:tav tm="0">
+                                          <p:val>
+                                            <p:strVal val="1+#ppt_h/2"/>
+                                          </p:val>
+                                        </p:tav>
+                                        <p:tav tm="100000">
+                                          <p:val>
+                                            <p:strVal val="#ppt_y"/>
+                                          </p:val>
+                                        </p:tav>
+                                      </p:tavLst>
+                                    </p:anim>
+                                  </p:childTnLst>
+                                </p:cTn>
+                              </p:par>
                             </p:childTnLst>
                           </p:cTn>
                         </p:par>
@@ -6733,6 +7319,8 @@
     </p:tnLst>
     <p:bldLst>
       <p:bldP spid="8" grpId="0"/>
+      <p:bldP spid="4" grpId="0"/>
+      <p:bldP spid="4" grpId="1"/>
     </p:bldLst>
   </p:timing>
 </p:sld>
@@ -8029,8 +8617,8 @@
         </p:nvSpPr>
         <p:spPr>
           <a:xfrm>
-            <a:off x="1577975" y="1732915"/>
-            <a:ext cx="9476105" cy="3846195"/>
+            <a:off x="1572260" y="1369060"/>
+            <a:ext cx="9476105" cy="5323205"/>
           </a:xfrm>
           <a:prstGeom prst="rect">
             <a:avLst/>
@@ -8179,6 +8767,29 @@
               </a:solidFill>
             </a:endParaRPr>
           </a:p>
+          <a:p>
+            <a:r>
+              <a:rPr lang="en-US" altLang="zh-CN" sz="2400" b="1">
+                <a:solidFill>
+                  <a:schemeClr val="bg1"/>
+                </a:solidFill>
+              </a:rPr>
+              <a:t>6. Emergency Dispatch Simulation:</a:t>
+            </a:r>
+            <a:r>
+              <a:rPr lang="en-US" altLang="zh-CN" sz="2400">
+                <a:solidFill>
+                  <a:schemeClr val="bg1"/>
+                </a:solidFill>
+              </a:rPr>
+              <a:t>Simulates handling large batches of emergencies with different data structures, showing real-time processing speeds, queue states, and memory usage visualization across different data sizes.</a:t>
+            </a:r>
+            <a:endParaRPr lang="en-US" altLang="zh-CN" sz="2400">
+              <a:solidFill>
+                <a:schemeClr val="bg1"/>
+              </a:solidFill>
+            </a:endParaRPr>
+          </a:p>
         </p:txBody>
       </p:sp>
     </p:spTree>
@@ -8209,6 +8820,1943 @@
 </file>
 
 <file path=ppt/slides/slide24.xml><?xml version="1.0" encoding="utf-8"?>
+<p:sld xmlns:a="http://schemas.openxmlformats.org/drawingml/2006/main" xmlns:r="http://schemas.openxmlformats.org/officeDocument/2006/relationships" xmlns:p="http://schemas.openxmlformats.org/presentationml/2006/main">
+  <p:cSld>
+    <p:spTree>
+      <p:nvGrpSpPr>
+        <p:cNvPr id="1" name=""/>
+        <p:cNvGrpSpPr/>
+        <p:nvPr/>
+      </p:nvGrpSpPr>
+      <p:grpSpPr>
+        <a:xfrm>
+          <a:off x="0" y="0"/>
+          <a:ext cx="0" cy="0"/>
+          <a:chOff x="0" y="0"/>
+          <a:chExt cx="0" cy="0"/>
+        </a:xfrm>
+      </p:grpSpPr>
+      <p:pic>
+        <p:nvPicPr>
+          <p:cNvPr id="38" name="图片 37"/>
+          <p:cNvPicPr>
+            <a:picLocks noChangeAspect="1"/>
+          </p:cNvPicPr>
+          <p:nvPr/>
+        </p:nvPicPr>
+        <p:blipFill>
+          <a:blip r:embed="rId1"/>
+          <a:stretch>
+            <a:fillRect/>
+          </a:stretch>
+        </p:blipFill>
+        <p:spPr>
+          <a:xfrm flipH="1">
+            <a:off x="392589" y="382858"/>
+            <a:ext cx="1065570" cy="1059575"/>
+          </a:xfrm>
+          <a:prstGeom prst="rect">
+            <a:avLst/>
+          </a:prstGeom>
+        </p:spPr>
+      </p:pic>
+      <p:sp>
+        <p:nvSpPr>
+          <p:cNvPr id="2" name="文本框 1"/>
+          <p:cNvSpPr txBox="1"/>
+          <p:nvPr/>
+        </p:nvSpPr>
+        <p:spPr>
+          <a:xfrm>
+            <a:off x="1866900" y="621030"/>
+            <a:ext cx="6096000" cy="583565"/>
+          </a:xfrm>
+          <a:prstGeom prst="rect">
+            <a:avLst/>
+          </a:prstGeom>
+          <a:noFill/>
+        </p:spPr>
+        <p:txBody>
+          <a:bodyPr wrap="square" rtlCol="0" anchor="t">
+            <a:spAutoFit/>
+          </a:bodyPr>
+          <a:p>
+            <a:r>
+              <a:rPr lang="en-US" altLang="zh-CN" sz="3200">
+                <a:solidFill>
+                  <a:schemeClr val="bg1"/>
+                </a:solidFill>
+              </a:rPr>
+              <a:t>Main Interface</a:t>
+            </a:r>
+            <a:endParaRPr lang="en-US" altLang="zh-CN" sz="3200">
+              <a:solidFill>
+                <a:schemeClr val="bg1"/>
+              </a:solidFill>
+            </a:endParaRPr>
+          </a:p>
+        </p:txBody>
+      </p:sp>
+      <p:pic>
+        <p:nvPicPr>
+          <p:cNvPr id="4" name="图片 3"/>
+          <p:cNvPicPr>
+            <a:picLocks noChangeAspect="1"/>
+          </p:cNvPicPr>
+          <p:nvPr/>
+        </p:nvPicPr>
+        <p:blipFill>
+          <a:blip r:embed="rId2"/>
+          <a:stretch>
+            <a:fillRect/>
+          </a:stretch>
+        </p:blipFill>
+        <p:spPr>
+          <a:xfrm>
+            <a:off x="1826260" y="1241425"/>
+            <a:ext cx="6888480" cy="5436235"/>
+          </a:xfrm>
+          <a:prstGeom prst="rect">
+            <a:avLst/>
+          </a:prstGeom>
+        </p:spPr>
+      </p:pic>
+    </p:spTree>
+  </p:cSld>
+  <p:clrMapOvr>
+    <a:masterClrMapping/>
+  </p:clrMapOvr>
+  <mc:AlternateContent xmlns:mc="http://schemas.openxmlformats.org/markup-compatibility/2006">
+    <mc:Choice xmlns:p14="http://schemas.microsoft.com/office/powerpoint/2010/main" Requires="p14">
+      <p:transition spd="slow" p14:dur="1500">
+        <p:random/>
+      </p:transition>
+    </mc:Choice>
+    <mc:Fallback>
+      <p:transition spd="slow">
+        <p:random/>
+      </p:transition>
+    </mc:Fallback>
+  </mc:AlternateContent>
+  <p:timing>
+    <p:tnLst>
+      <p:par>
+        <p:cTn id="1" dur="indefinite" restart="never" nodeType="tmRoot"/>
+      </p:par>
+    </p:tnLst>
+  </p:timing>
+</p:sld>
+</file>
+
+<file path=ppt/slides/slide25.xml><?xml version="1.0" encoding="utf-8"?>
+<p:sld xmlns:a="http://schemas.openxmlformats.org/drawingml/2006/main" xmlns:r="http://schemas.openxmlformats.org/officeDocument/2006/relationships" xmlns:p="http://schemas.openxmlformats.org/presentationml/2006/main">
+  <p:cSld>
+    <p:spTree>
+      <p:nvGrpSpPr>
+        <p:cNvPr id="1" name=""/>
+        <p:cNvGrpSpPr/>
+        <p:nvPr/>
+      </p:nvGrpSpPr>
+      <p:grpSpPr>
+        <a:xfrm>
+          <a:off x="0" y="0"/>
+          <a:ext cx="0" cy="0"/>
+          <a:chOff x="0" y="0"/>
+          <a:chExt cx="0" cy="0"/>
+        </a:xfrm>
+      </p:grpSpPr>
+      <p:pic>
+        <p:nvPicPr>
+          <p:cNvPr id="38" name="图片 37"/>
+          <p:cNvPicPr>
+            <a:picLocks noChangeAspect="1"/>
+          </p:cNvPicPr>
+          <p:nvPr/>
+        </p:nvPicPr>
+        <p:blipFill>
+          <a:blip r:embed="rId1"/>
+          <a:stretch>
+            <a:fillRect/>
+          </a:stretch>
+        </p:blipFill>
+        <p:spPr>
+          <a:xfrm flipH="1">
+            <a:off x="392589" y="382858"/>
+            <a:ext cx="1065570" cy="1059575"/>
+          </a:xfrm>
+          <a:prstGeom prst="rect">
+            <a:avLst/>
+          </a:prstGeom>
+        </p:spPr>
+      </p:pic>
+      <p:sp>
+        <p:nvSpPr>
+          <p:cNvPr id="2" name="文本框 1"/>
+          <p:cNvSpPr txBox="1"/>
+          <p:nvPr/>
+        </p:nvSpPr>
+        <p:spPr>
+          <a:xfrm>
+            <a:off x="1866900" y="621030"/>
+            <a:ext cx="9805035" cy="583565"/>
+          </a:xfrm>
+          <a:prstGeom prst="rect">
+            <a:avLst/>
+          </a:prstGeom>
+          <a:noFill/>
+        </p:spPr>
+        <p:txBody>
+          <a:bodyPr wrap="square" rtlCol="0" anchor="t">
+            <a:spAutoFit/>
+          </a:bodyPr>
+          <a:p>
+            <a:r>
+              <a:rPr lang="en-US" altLang="zh-CN" sz="3200" b="1">
+                <a:solidFill>
+                  <a:schemeClr val="bg1"/>
+                </a:solidFill>
+                <a:sym typeface="+mn-ea"/>
+              </a:rPr>
+              <a:t>Emergency Management Interface(linked list)</a:t>
+            </a:r>
+            <a:endParaRPr lang="en-US" altLang="zh-CN" sz="3200">
+              <a:solidFill>
+                <a:schemeClr val="bg1"/>
+              </a:solidFill>
+            </a:endParaRPr>
+          </a:p>
+        </p:txBody>
+      </p:sp>
+      <p:pic>
+        <p:nvPicPr>
+          <p:cNvPr id="3" name="图片 2" descr="4f339a63a8ddd81be7303a929b964771"/>
+          <p:cNvPicPr>
+            <a:picLocks noChangeAspect="1"/>
+          </p:cNvPicPr>
+          <p:nvPr/>
+        </p:nvPicPr>
+        <p:blipFill>
+          <a:blip r:embed="rId2"/>
+          <a:stretch>
+            <a:fillRect/>
+          </a:stretch>
+        </p:blipFill>
+        <p:spPr>
+          <a:xfrm>
+            <a:off x="2004695" y="1442720"/>
+            <a:ext cx="8183245" cy="4989195"/>
+          </a:xfrm>
+          <a:prstGeom prst="rect">
+            <a:avLst/>
+          </a:prstGeom>
+        </p:spPr>
+      </p:pic>
+    </p:spTree>
+  </p:cSld>
+  <p:clrMapOvr>
+    <a:masterClrMapping/>
+  </p:clrMapOvr>
+  <mc:AlternateContent xmlns:mc="http://schemas.openxmlformats.org/markup-compatibility/2006">
+    <mc:Choice xmlns:p14="http://schemas.microsoft.com/office/powerpoint/2010/main" Requires="p14">
+      <p:transition spd="slow" p14:dur="1500">
+        <p:random/>
+      </p:transition>
+    </mc:Choice>
+    <mc:Fallback>
+      <p:transition spd="slow">
+        <p:random/>
+      </p:transition>
+    </mc:Fallback>
+  </mc:AlternateContent>
+  <p:timing>
+    <p:tnLst>
+      <p:par>
+        <p:cTn id="1" dur="indefinite" restart="never" nodeType="tmRoot"/>
+      </p:par>
+    </p:tnLst>
+  </p:timing>
+</p:sld>
+</file>
+
+<file path=ppt/slides/slide26.xml><?xml version="1.0" encoding="utf-8"?>
+<p:sld xmlns:a="http://schemas.openxmlformats.org/drawingml/2006/main" xmlns:r="http://schemas.openxmlformats.org/officeDocument/2006/relationships" xmlns:p="http://schemas.openxmlformats.org/presentationml/2006/main">
+  <p:cSld>
+    <p:spTree>
+      <p:nvGrpSpPr>
+        <p:cNvPr id="1" name=""/>
+        <p:cNvGrpSpPr/>
+        <p:nvPr/>
+      </p:nvGrpSpPr>
+      <p:grpSpPr>
+        <a:xfrm>
+          <a:off x="0" y="0"/>
+          <a:ext cx="0" cy="0"/>
+          <a:chOff x="0" y="0"/>
+          <a:chExt cx="0" cy="0"/>
+        </a:xfrm>
+      </p:grpSpPr>
+      <p:pic>
+        <p:nvPicPr>
+          <p:cNvPr id="38" name="图片 37"/>
+          <p:cNvPicPr>
+            <a:picLocks noChangeAspect="1"/>
+          </p:cNvPicPr>
+          <p:nvPr/>
+        </p:nvPicPr>
+        <p:blipFill>
+          <a:blip r:embed="rId1"/>
+          <a:stretch>
+            <a:fillRect/>
+          </a:stretch>
+        </p:blipFill>
+        <p:spPr>
+          <a:xfrm flipH="1">
+            <a:off x="392589" y="382858"/>
+            <a:ext cx="1065570" cy="1059575"/>
+          </a:xfrm>
+          <a:prstGeom prst="rect">
+            <a:avLst/>
+          </a:prstGeom>
+        </p:spPr>
+      </p:pic>
+      <p:sp>
+        <p:nvSpPr>
+          <p:cNvPr id="2" name="文本框 1"/>
+          <p:cNvSpPr txBox="1"/>
+          <p:nvPr/>
+        </p:nvSpPr>
+        <p:spPr>
+          <a:xfrm>
+            <a:off x="1866900" y="621030"/>
+            <a:ext cx="9805035" cy="583565"/>
+          </a:xfrm>
+          <a:prstGeom prst="rect">
+            <a:avLst/>
+          </a:prstGeom>
+          <a:noFill/>
+        </p:spPr>
+        <p:txBody>
+          <a:bodyPr wrap="square" rtlCol="0" anchor="t">
+            <a:spAutoFit/>
+          </a:bodyPr>
+          <a:p>
+            <a:r>
+              <a:rPr lang="en-US" altLang="zh-CN" sz="3200" b="1">
+                <a:solidFill>
+                  <a:schemeClr val="bg1"/>
+                </a:solidFill>
+                <a:sym typeface="+mn-ea"/>
+              </a:rPr>
+              <a:t>Emergency Management Interface(binary tree)</a:t>
+            </a:r>
+            <a:endParaRPr lang="en-US" altLang="zh-CN" sz="3200">
+              <a:solidFill>
+                <a:schemeClr val="bg1"/>
+              </a:solidFill>
+            </a:endParaRPr>
+          </a:p>
+        </p:txBody>
+      </p:sp>
+      <p:pic>
+        <p:nvPicPr>
+          <p:cNvPr id="4" name="图片 3" descr="be9683b317ef8acfeeccc624ea3fc039"/>
+          <p:cNvPicPr>
+            <a:picLocks noChangeAspect="1"/>
+          </p:cNvPicPr>
+          <p:nvPr/>
+        </p:nvPicPr>
+        <p:blipFill>
+          <a:blip r:embed="rId2"/>
+          <a:stretch>
+            <a:fillRect/>
+          </a:stretch>
+        </p:blipFill>
+        <p:spPr>
+          <a:xfrm>
+            <a:off x="1963420" y="1514475"/>
+            <a:ext cx="8265160" cy="5038090"/>
+          </a:xfrm>
+          <a:prstGeom prst="rect">
+            <a:avLst/>
+          </a:prstGeom>
+        </p:spPr>
+      </p:pic>
+    </p:spTree>
+  </p:cSld>
+  <p:clrMapOvr>
+    <a:masterClrMapping/>
+  </p:clrMapOvr>
+  <mc:AlternateContent xmlns:mc="http://schemas.openxmlformats.org/markup-compatibility/2006">
+    <mc:Choice xmlns:p14="http://schemas.microsoft.com/office/powerpoint/2010/main" Requires="p14">
+      <p:transition spd="slow" p14:dur="1500">
+        <p:random/>
+      </p:transition>
+    </mc:Choice>
+    <mc:Fallback>
+      <p:transition spd="slow">
+        <p:random/>
+      </p:transition>
+    </mc:Fallback>
+  </mc:AlternateContent>
+  <p:timing>
+    <p:tnLst>
+      <p:par>
+        <p:cTn id="1" dur="indefinite" restart="never" nodeType="tmRoot"/>
+      </p:par>
+    </p:tnLst>
+  </p:timing>
+</p:sld>
+</file>
+
+<file path=ppt/slides/slide27.xml><?xml version="1.0" encoding="utf-8"?>
+<p:sld xmlns:a="http://schemas.openxmlformats.org/drawingml/2006/main" xmlns:r="http://schemas.openxmlformats.org/officeDocument/2006/relationships" xmlns:p="http://schemas.openxmlformats.org/presentationml/2006/main">
+  <p:cSld>
+    <p:spTree>
+      <p:nvGrpSpPr>
+        <p:cNvPr id="1" name=""/>
+        <p:cNvGrpSpPr/>
+        <p:nvPr/>
+      </p:nvGrpSpPr>
+      <p:grpSpPr>
+        <a:xfrm>
+          <a:off x="0" y="0"/>
+          <a:ext cx="0" cy="0"/>
+          <a:chOff x="0" y="0"/>
+          <a:chExt cx="0" cy="0"/>
+        </a:xfrm>
+      </p:grpSpPr>
+      <p:pic>
+        <p:nvPicPr>
+          <p:cNvPr id="38" name="图片 37"/>
+          <p:cNvPicPr>
+            <a:picLocks noChangeAspect="1"/>
+          </p:cNvPicPr>
+          <p:nvPr/>
+        </p:nvPicPr>
+        <p:blipFill>
+          <a:blip r:embed="rId1"/>
+          <a:stretch>
+            <a:fillRect/>
+          </a:stretch>
+        </p:blipFill>
+        <p:spPr>
+          <a:xfrm flipH="1">
+            <a:off x="392589" y="382858"/>
+            <a:ext cx="1065570" cy="1059575"/>
+          </a:xfrm>
+          <a:prstGeom prst="rect">
+            <a:avLst/>
+          </a:prstGeom>
+        </p:spPr>
+      </p:pic>
+      <p:sp>
+        <p:nvSpPr>
+          <p:cNvPr id="2" name="文本框 1"/>
+          <p:cNvSpPr txBox="1"/>
+          <p:nvPr/>
+        </p:nvSpPr>
+        <p:spPr>
+          <a:xfrm>
+            <a:off x="1866900" y="621030"/>
+            <a:ext cx="9805035" cy="583565"/>
+          </a:xfrm>
+          <a:prstGeom prst="rect">
+            <a:avLst/>
+          </a:prstGeom>
+          <a:noFill/>
+        </p:spPr>
+        <p:txBody>
+          <a:bodyPr wrap="square" rtlCol="0" anchor="t">
+            <a:spAutoFit/>
+          </a:bodyPr>
+          <a:p>
+            <a:r>
+              <a:rPr lang="en-US" altLang="zh-CN" sz="3200" b="1">
+                <a:solidFill>
+                  <a:schemeClr val="bg1"/>
+                </a:solidFill>
+                <a:sym typeface="+mn-ea"/>
+              </a:rPr>
+              <a:t>Emergency Management Interface(min heap)</a:t>
+            </a:r>
+            <a:endParaRPr lang="en-US" altLang="zh-CN" sz="3200">
+              <a:solidFill>
+                <a:schemeClr val="bg1"/>
+              </a:solidFill>
+            </a:endParaRPr>
+          </a:p>
+        </p:txBody>
+      </p:sp>
+      <p:pic>
+        <p:nvPicPr>
+          <p:cNvPr id="4" name="图片 3"/>
+          <p:cNvPicPr>
+            <a:picLocks noChangeAspect="1"/>
+          </p:cNvPicPr>
+          <p:nvPr/>
+        </p:nvPicPr>
+        <p:blipFill>
+          <a:blip r:embed="rId2"/>
+          <a:stretch>
+            <a:fillRect/>
+          </a:stretch>
+        </p:blipFill>
+        <p:spPr>
+          <a:xfrm>
+            <a:off x="1871345" y="1331595"/>
+            <a:ext cx="8449945" cy="5151120"/>
+          </a:xfrm>
+          <a:prstGeom prst="rect">
+            <a:avLst/>
+          </a:prstGeom>
+        </p:spPr>
+      </p:pic>
+    </p:spTree>
+  </p:cSld>
+  <p:clrMapOvr>
+    <a:masterClrMapping/>
+  </p:clrMapOvr>
+  <mc:AlternateContent xmlns:mc="http://schemas.openxmlformats.org/markup-compatibility/2006">
+    <mc:Choice xmlns:p14="http://schemas.microsoft.com/office/powerpoint/2010/main" Requires="p14">
+      <p:transition spd="slow" p14:dur="1500">
+        <p:random/>
+      </p:transition>
+    </mc:Choice>
+    <mc:Fallback>
+      <p:transition spd="slow">
+        <p:random/>
+      </p:transition>
+    </mc:Fallback>
+  </mc:AlternateContent>
+  <p:timing>
+    <p:tnLst>
+      <p:par>
+        <p:cTn id="1" dur="indefinite" restart="never" nodeType="tmRoot"/>
+      </p:par>
+    </p:tnLst>
+  </p:timing>
+</p:sld>
+</file>
+
+<file path=ppt/slides/slide28.xml><?xml version="1.0" encoding="utf-8"?>
+<p:sld xmlns:a="http://schemas.openxmlformats.org/drawingml/2006/main" xmlns:r="http://schemas.openxmlformats.org/officeDocument/2006/relationships" xmlns:p="http://schemas.openxmlformats.org/presentationml/2006/main">
+  <p:cSld>
+    <p:spTree>
+      <p:nvGrpSpPr>
+        <p:cNvPr id="1" name=""/>
+        <p:cNvGrpSpPr/>
+        <p:nvPr/>
+      </p:nvGrpSpPr>
+      <p:grpSpPr>
+        <a:xfrm>
+          <a:off x="0" y="0"/>
+          <a:ext cx="0" cy="0"/>
+          <a:chOff x="0" y="0"/>
+          <a:chExt cx="0" cy="0"/>
+        </a:xfrm>
+      </p:grpSpPr>
+      <p:pic>
+        <p:nvPicPr>
+          <p:cNvPr id="38" name="图片 37"/>
+          <p:cNvPicPr>
+            <a:picLocks noChangeAspect="1"/>
+          </p:cNvPicPr>
+          <p:nvPr/>
+        </p:nvPicPr>
+        <p:blipFill>
+          <a:blip r:embed="rId1"/>
+          <a:stretch>
+            <a:fillRect/>
+          </a:stretch>
+        </p:blipFill>
+        <p:spPr>
+          <a:xfrm flipH="1">
+            <a:off x="392589" y="382858"/>
+            <a:ext cx="1065570" cy="1059575"/>
+          </a:xfrm>
+          <a:prstGeom prst="rect">
+            <a:avLst/>
+          </a:prstGeom>
+        </p:spPr>
+      </p:pic>
+      <p:sp>
+        <p:nvSpPr>
+          <p:cNvPr id="2" name="文本框 1"/>
+          <p:cNvSpPr txBox="1"/>
+          <p:nvPr/>
+        </p:nvSpPr>
+        <p:spPr>
+          <a:xfrm>
+            <a:off x="3048000" y="621030"/>
+            <a:ext cx="6096000" cy="583565"/>
+          </a:xfrm>
+          <a:prstGeom prst="rect">
+            <a:avLst/>
+          </a:prstGeom>
+          <a:noFill/>
+        </p:spPr>
+        <p:txBody>
+          <a:bodyPr wrap="square" rtlCol="0" anchor="t">
+            <a:spAutoFit/>
+          </a:bodyPr>
+          <a:p>
+            <a:r>
+              <a:rPr lang="en-US" altLang="zh-CN" sz="3200" b="1">
+                <a:solidFill>
+                  <a:schemeClr val="bg1"/>
+                </a:solidFill>
+                <a:sym typeface="+mn-ea"/>
+              </a:rPr>
+              <a:t>KNN Visualization Interface</a:t>
+            </a:r>
+            <a:endParaRPr lang="en-US" altLang="zh-CN" sz="3200">
+              <a:solidFill>
+                <a:schemeClr val="bg1"/>
+              </a:solidFill>
+            </a:endParaRPr>
+          </a:p>
+        </p:txBody>
+      </p:sp>
+      <p:pic>
+        <p:nvPicPr>
+          <p:cNvPr id="3" name="图片 2"/>
+          <p:cNvPicPr>
+            <a:picLocks noChangeAspect="1"/>
+          </p:cNvPicPr>
+          <p:nvPr/>
+        </p:nvPicPr>
+        <p:blipFill>
+          <a:blip r:embed="rId2"/>
+          <a:stretch>
+            <a:fillRect/>
+          </a:stretch>
+        </p:blipFill>
+        <p:spPr>
+          <a:xfrm>
+            <a:off x="2966085" y="1701165"/>
+            <a:ext cx="6260465" cy="4940935"/>
+          </a:xfrm>
+          <a:prstGeom prst="rect">
+            <a:avLst/>
+          </a:prstGeom>
+        </p:spPr>
+      </p:pic>
+    </p:spTree>
+  </p:cSld>
+  <p:clrMapOvr>
+    <a:masterClrMapping/>
+  </p:clrMapOvr>
+  <mc:AlternateContent xmlns:mc="http://schemas.openxmlformats.org/markup-compatibility/2006">
+    <mc:Choice xmlns:p14="http://schemas.microsoft.com/office/powerpoint/2010/main" Requires="p14">
+      <p:transition spd="slow" p14:dur="1500">
+        <p:random/>
+      </p:transition>
+    </mc:Choice>
+    <mc:Fallback>
+      <p:transition spd="slow">
+        <p:random/>
+      </p:transition>
+    </mc:Fallback>
+  </mc:AlternateContent>
+  <p:timing>
+    <p:tnLst>
+      <p:par>
+        <p:cTn id="1" dur="indefinite" restart="never" nodeType="tmRoot"/>
+      </p:par>
+    </p:tnLst>
+  </p:timing>
+</p:sld>
+</file>
+
+<file path=ppt/slides/slide29.xml><?xml version="1.0" encoding="utf-8"?>
+<p:sld xmlns:a="http://schemas.openxmlformats.org/drawingml/2006/main" xmlns:r="http://schemas.openxmlformats.org/officeDocument/2006/relationships" xmlns:p="http://schemas.openxmlformats.org/presentationml/2006/main">
+  <p:cSld>
+    <p:spTree>
+      <p:nvGrpSpPr>
+        <p:cNvPr id="1" name=""/>
+        <p:cNvGrpSpPr/>
+        <p:nvPr/>
+      </p:nvGrpSpPr>
+      <p:grpSpPr>
+        <a:xfrm>
+          <a:off x="0" y="0"/>
+          <a:ext cx="0" cy="0"/>
+          <a:chOff x="0" y="0"/>
+          <a:chExt cx="0" cy="0"/>
+        </a:xfrm>
+      </p:grpSpPr>
+      <p:pic>
+        <p:nvPicPr>
+          <p:cNvPr id="38" name="图片 37"/>
+          <p:cNvPicPr>
+            <a:picLocks noChangeAspect="1"/>
+          </p:cNvPicPr>
+          <p:nvPr/>
+        </p:nvPicPr>
+        <p:blipFill>
+          <a:blip r:embed="rId1"/>
+          <a:stretch>
+            <a:fillRect/>
+          </a:stretch>
+        </p:blipFill>
+        <p:spPr>
+          <a:xfrm flipH="1">
+            <a:off x="392589" y="382858"/>
+            <a:ext cx="1065570" cy="1059575"/>
+          </a:xfrm>
+          <a:prstGeom prst="rect">
+            <a:avLst/>
+          </a:prstGeom>
+        </p:spPr>
+      </p:pic>
+      <p:sp>
+        <p:nvSpPr>
+          <p:cNvPr id="2" name="文本框 1"/>
+          <p:cNvSpPr txBox="1"/>
+          <p:nvPr/>
+        </p:nvSpPr>
+        <p:spPr>
+          <a:xfrm>
+            <a:off x="3048000" y="621030"/>
+            <a:ext cx="6096000" cy="583565"/>
+          </a:xfrm>
+          <a:prstGeom prst="rect">
+            <a:avLst/>
+          </a:prstGeom>
+          <a:noFill/>
+        </p:spPr>
+        <p:txBody>
+          <a:bodyPr wrap="square" rtlCol="0" anchor="t">
+            <a:spAutoFit/>
+          </a:bodyPr>
+          <a:p>
+            <a:r>
+              <a:rPr lang="en-US" altLang="zh-CN" sz="3200" b="1">
+                <a:solidFill>
+                  <a:schemeClr val="bg1"/>
+                </a:solidFill>
+                <a:sym typeface="+mn-ea"/>
+              </a:rPr>
+              <a:t>Statistical Analysis Interface</a:t>
+            </a:r>
+            <a:endParaRPr lang="en-US" altLang="zh-CN" sz="3200">
+              <a:solidFill>
+                <a:schemeClr val="bg1"/>
+              </a:solidFill>
+            </a:endParaRPr>
+          </a:p>
+        </p:txBody>
+      </p:sp>
+      <p:pic>
+        <p:nvPicPr>
+          <p:cNvPr id="4" name="图片 3"/>
+          <p:cNvPicPr>
+            <a:picLocks noChangeAspect="1"/>
+          </p:cNvPicPr>
+          <p:nvPr/>
+        </p:nvPicPr>
+        <p:blipFill>
+          <a:blip r:embed="rId2"/>
+          <a:stretch>
+            <a:fillRect/>
+          </a:stretch>
+        </p:blipFill>
+        <p:spPr>
+          <a:xfrm>
+            <a:off x="2603500" y="1361440"/>
+            <a:ext cx="6985000" cy="5390515"/>
+          </a:xfrm>
+          <a:prstGeom prst="rect">
+            <a:avLst/>
+          </a:prstGeom>
+        </p:spPr>
+      </p:pic>
+    </p:spTree>
+  </p:cSld>
+  <p:clrMapOvr>
+    <a:masterClrMapping/>
+  </p:clrMapOvr>
+  <mc:AlternateContent xmlns:mc="http://schemas.openxmlformats.org/markup-compatibility/2006">
+    <mc:Choice xmlns:p14="http://schemas.microsoft.com/office/powerpoint/2010/main" Requires="p14">
+      <p:transition spd="slow" p14:dur="1500">
+        <p:random/>
+      </p:transition>
+    </mc:Choice>
+    <mc:Fallback>
+      <p:transition spd="slow">
+        <p:random/>
+      </p:transition>
+    </mc:Fallback>
+  </mc:AlternateContent>
+  <p:timing>
+    <p:tnLst>
+      <p:par>
+        <p:cTn id="1" dur="indefinite" restart="never" nodeType="tmRoot"/>
+      </p:par>
+    </p:tnLst>
+  </p:timing>
+</p:sld>
+</file>
+
+<file path=ppt/slides/slide3.xml><?xml version="1.0" encoding="utf-8"?>
+<p:sld xmlns:a="http://schemas.openxmlformats.org/drawingml/2006/main" xmlns:r="http://schemas.openxmlformats.org/officeDocument/2006/relationships" xmlns:p="http://schemas.openxmlformats.org/presentationml/2006/main">
+  <p:cSld>
+    <p:spTree>
+      <p:nvGrpSpPr>
+        <p:cNvPr id="1" name=""/>
+        <p:cNvGrpSpPr/>
+        <p:nvPr/>
+      </p:nvGrpSpPr>
+      <p:grpSpPr>
+        <a:xfrm>
+          <a:off x="0" y="0"/>
+          <a:ext cx="0" cy="0"/>
+          <a:chOff x="0" y="0"/>
+          <a:chExt cx="0" cy="0"/>
+        </a:xfrm>
+      </p:grpSpPr>
+      <p:pic>
+        <p:nvPicPr>
+          <p:cNvPr id="2" name="图片 1"/>
+          <p:cNvPicPr>
+            <a:picLocks noChangeAspect="1"/>
+          </p:cNvPicPr>
+          <p:nvPr/>
+        </p:nvPicPr>
+        <p:blipFill>
+          <a:blip r:embed="rId1"/>
+          <a:stretch>
+            <a:fillRect/>
+          </a:stretch>
+        </p:blipFill>
+        <p:spPr>
+          <a:xfrm flipH="1">
+            <a:off x="4927600" y="1532382"/>
+            <a:ext cx="2336800" cy="2323656"/>
+          </a:xfrm>
+          <a:prstGeom prst="rect">
+            <a:avLst/>
+          </a:prstGeom>
+        </p:spPr>
+      </p:pic>
+      <p:sp>
+        <p:nvSpPr>
+          <p:cNvPr id="4" name="椭圆 3"/>
+          <p:cNvSpPr/>
+          <p:nvPr/>
+        </p:nvSpPr>
+        <p:spPr>
+          <a:xfrm>
+            <a:off x="5273040" y="1871250"/>
+            <a:ext cx="1645920" cy="1645920"/>
+          </a:xfrm>
+          <a:prstGeom prst="ellipse">
+            <a:avLst/>
+          </a:prstGeom>
+          <a:solidFill>
+            <a:srgbClr val="00265E">
+              <a:alpha val="29000"/>
+            </a:srgbClr>
+          </a:solidFill>
+          <a:ln w="38100">
+            <a:gradFill flip="none" rotWithShape="1">
+              <a:gsLst>
+                <a:gs pos="0">
+                  <a:srgbClr val="24DBFD"/>
+                </a:gs>
+                <a:gs pos="100000">
+                  <a:srgbClr val="002FFC"/>
+                </a:gs>
+              </a:gsLst>
+              <a:lin ang="2700000" scaled="1"/>
+            </a:gradFill>
+          </a:ln>
+        </p:spPr>
+        <p:style>
+          <a:lnRef idx="2">
+            <a:schemeClr val="accent1">
+              <a:shade val="50000"/>
+            </a:schemeClr>
+          </a:lnRef>
+          <a:fillRef idx="1">
+            <a:schemeClr val="accent1"/>
+          </a:fillRef>
+          <a:effectRef idx="0">
+            <a:schemeClr val="accent1"/>
+          </a:effectRef>
+          <a:fontRef idx="minor">
+            <a:schemeClr val="lt1"/>
+          </a:fontRef>
+        </p:style>
+        <p:txBody>
+          <a:bodyPr rot="0" spcFirstLastPara="0" vertOverflow="overflow" horzOverflow="overflow" vert="horz" wrap="square" lIns="91440" tIns="45720" rIns="91440" bIns="45720" numCol="1" spcCol="0" rtlCol="0" fromWordArt="0" anchor="ctr" anchorCtr="0" forceAA="0" compatLnSpc="1">
+            <a:noAutofit/>
+          </a:bodyPr>
+          <a:lstStyle/>
+          <a:p>
+            <a:pPr algn="ctr"/>
+            <a:endParaRPr lang="zh-CN" altLang="en-US"/>
+          </a:p>
+        </p:txBody>
+      </p:sp>
+      <p:sp>
+        <p:nvSpPr>
+          <p:cNvPr id="3" name="椭圆 2"/>
+          <p:cNvSpPr/>
+          <p:nvPr/>
+        </p:nvSpPr>
+        <p:spPr>
+          <a:xfrm>
+            <a:off x="5530628" y="2128838"/>
+            <a:ext cx="1130744" cy="1130744"/>
+          </a:xfrm>
+          <a:prstGeom prst="ellipse">
+            <a:avLst/>
+          </a:prstGeom>
+          <a:solidFill>
+            <a:srgbClr val="00265E"/>
+          </a:solidFill>
+          <a:ln>
+            <a:noFill/>
+          </a:ln>
+        </p:spPr>
+        <p:style>
+          <a:lnRef idx="2">
+            <a:schemeClr val="accent1">
+              <a:shade val="50000"/>
+            </a:schemeClr>
+          </a:lnRef>
+          <a:fillRef idx="1">
+            <a:schemeClr val="accent1"/>
+          </a:fillRef>
+          <a:effectRef idx="0">
+            <a:schemeClr val="accent1"/>
+          </a:effectRef>
+          <a:fontRef idx="minor">
+            <a:schemeClr val="lt1"/>
+          </a:fontRef>
+        </p:style>
+        <p:txBody>
+          <a:bodyPr rot="0" spcFirstLastPara="0" vertOverflow="overflow" horzOverflow="overflow" vert="horz" wrap="square" lIns="91440" tIns="45720" rIns="91440" bIns="45720" numCol="1" spcCol="0" rtlCol="0" fromWordArt="0" anchor="ctr" anchorCtr="0" forceAA="0" compatLnSpc="1">
+            <a:noAutofit/>
+          </a:bodyPr>
+          <a:lstStyle/>
+          <a:p>
+            <a:pPr algn="ctr"/>
+            <a:endParaRPr lang="zh-CN" altLang="en-US"/>
+          </a:p>
+        </p:txBody>
+      </p:sp>
+      <p:sp>
+        <p:nvSpPr>
+          <p:cNvPr id="5" name="文本框 4"/>
+          <p:cNvSpPr txBox="1"/>
+          <p:nvPr/>
+        </p:nvSpPr>
+        <p:spPr>
+          <a:xfrm>
+            <a:off x="5530628" y="2278712"/>
+            <a:ext cx="1130744" cy="829945"/>
+          </a:xfrm>
+          <a:prstGeom prst="rect">
+            <a:avLst/>
+          </a:prstGeom>
+          <a:noFill/>
+        </p:spPr>
+        <p:txBody>
+          <a:bodyPr wrap="square" rtlCol="0">
+            <a:spAutoFit/>
+            <a:scene3d>
+              <a:camera prst="orthographicFront"/>
+              <a:lightRig rig="threePt" dir="t"/>
+            </a:scene3d>
+            <a:sp3d contourW="12700"/>
+          </a:bodyPr>
+          <a:lstStyle/>
+          <a:p>
+            <a:pPr algn="ctr"/>
+            <a:r>
+              <a:rPr lang="en-US" altLang="zh-CN" sz="4800" dirty="0">
+                <a:gradFill>
+                  <a:gsLst>
+                    <a:gs pos="0">
+                      <a:srgbClr val="002FFC"/>
+                    </a:gs>
+                    <a:gs pos="100000">
+                      <a:srgbClr val="24DBFD"/>
+                    </a:gs>
+                  </a:gsLst>
+                  <a:lin ang="2700000" scaled="1"/>
+                </a:gradFill>
+                <a:latin typeface="Agency FB" panose="020B0503020202020204" pitchFamily="34" charset="0"/>
+                <a:ea typeface="时尚中黑简体" panose="01010104010101010101" pitchFamily="2" charset="-122"/>
+              </a:rPr>
+              <a:t>01</a:t>
+            </a:r>
+            <a:endParaRPr lang="zh-CN" altLang="en-US" sz="4800" dirty="0">
+              <a:gradFill>
+                <a:gsLst>
+                  <a:gs pos="0">
+                    <a:srgbClr val="002FFC"/>
+                  </a:gs>
+                  <a:gs pos="100000">
+                    <a:srgbClr val="24DBFD"/>
+                  </a:gs>
+                </a:gsLst>
+                <a:lin ang="2700000" scaled="1"/>
+              </a:gradFill>
+              <a:latin typeface="时尚中黑简体" panose="01010104010101010101" pitchFamily="2" charset="-122"/>
+              <a:ea typeface="时尚中黑简体" panose="01010104010101010101" pitchFamily="2" charset="-122"/>
+            </a:endParaRPr>
+          </a:p>
+        </p:txBody>
+      </p:sp>
+      <p:sp>
+        <p:nvSpPr>
+          <p:cNvPr id="6" name="文本框 5"/>
+          <p:cNvSpPr txBox="1"/>
+          <p:nvPr/>
+        </p:nvSpPr>
+        <p:spPr>
+          <a:xfrm>
+            <a:off x="2875915" y="4159885"/>
+            <a:ext cx="6891655" cy="706755"/>
+          </a:xfrm>
+          <a:prstGeom prst="rect">
+            <a:avLst/>
+          </a:prstGeom>
+          <a:noFill/>
+        </p:spPr>
+        <p:txBody>
+          <a:bodyPr wrap="square" rtlCol="0">
+            <a:spAutoFit/>
+            <a:scene3d>
+              <a:camera prst="orthographicFront"/>
+              <a:lightRig rig="threePt" dir="t"/>
+            </a:scene3d>
+            <a:sp3d contourW="12700"/>
+          </a:bodyPr>
+          <a:lstStyle/>
+          <a:p>
+            <a:pPr algn="ctr"/>
+            <a:r>
+              <a:rPr lang="en-US" altLang="zh-CN" sz="4000" dirty="0">
+                <a:gradFill>
+                  <a:gsLst>
+                    <a:gs pos="0">
+                      <a:srgbClr val="002FFC"/>
+                    </a:gs>
+                    <a:gs pos="100000">
+                      <a:srgbClr val="24DBFD"/>
+                    </a:gs>
+                  </a:gsLst>
+                  <a:lin ang="2700000" scaled="1"/>
+                </a:gradFill>
+                <a:latin typeface="时尚中黑简体" panose="01010104010101010101" pitchFamily="2" charset="-122"/>
+                <a:ea typeface="时尚中黑简体" panose="01010104010101010101" pitchFamily="2" charset="-122"/>
+              </a:rPr>
+              <a:t>Introduction</a:t>
+            </a:r>
+            <a:endParaRPr lang="en-US" altLang="zh-CN" sz="4000" dirty="0">
+              <a:gradFill>
+                <a:gsLst>
+                  <a:gs pos="0">
+                    <a:srgbClr val="002FFC"/>
+                  </a:gs>
+                  <a:gs pos="100000">
+                    <a:srgbClr val="24DBFD"/>
+                  </a:gs>
+                </a:gsLst>
+                <a:lin ang="2700000" scaled="1"/>
+              </a:gradFill>
+              <a:latin typeface="时尚中黑简体" panose="01010104010101010101" pitchFamily="2" charset="-122"/>
+              <a:ea typeface="时尚中黑简体" panose="01010104010101010101" pitchFamily="2" charset="-122"/>
+            </a:endParaRPr>
+          </a:p>
+        </p:txBody>
+      </p:sp>
+    </p:spTree>
+  </p:cSld>
+  <p:clrMapOvr>
+    <a:masterClrMapping/>
+  </p:clrMapOvr>
+  <mc:AlternateContent xmlns:mc="http://schemas.openxmlformats.org/markup-compatibility/2006">
+    <mc:Choice xmlns:p14="http://schemas.microsoft.com/office/powerpoint/2010/main" Requires="p14">
+      <p:transition spd="slow" p14:dur="1500">
+        <p:random/>
+      </p:transition>
+    </mc:Choice>
+    <mc:Fallback>
+      <p:transition spd="slow">
+        <p:random/>
+      </p:transition>
+    </mc:Fallback>
+  </mc:AlternateContent>
+  <p:timing>
+    <p:tnLst>
+      <p:par>
+        <p:cTn id="1" dur="indefinite" restart="never" nodeType="tmRoot">
+          <p:childTnLst>
+            <p:seq concurrent="1" nextAc="seek">
+              <p:cTn id="2" dur="indefinite" nodeType="mainSeq">
+                <p:childTnLst>
+                  <p:par>
+                    <p:cTn id="3" fill="hold">
+                      <p:stCondLst>
+                        <p:cond delay="indefinite"/>
+                        <p:cond evt="onBegin" delay="0">
+                          <p:tn val="2"/>
+                        </p:cond>
+                      </p:stCondLst>
+                      <p:childTnLst>
+                        <p:par>
+                          <p:cTn id="4" fill="hold">
+                            <p:stCondLst>
+                              <p:cond delay="0"/>
+                            </p:stCondLst>
+                            <p:childTnLst>
+                              <p:par>
+                                <p:cTn id="5" presetID="53" presetClass="entr" presetSubtype="16" fill="hold" nodeType="afterEffect">
+                                  <p:stCondLst>
+                                    <p:cond delay="0"/>
+                                  </p:stCondLst>
+                                  <p:childTnLst>
+                                    <p:set>
+                                      <p:cBhvr>
+                                        <p:cTn id="6" dur="1" fill="hold">
+                                          <p:stCondLst>
+                                            <p:cond delay="0"/>
+                                          </p:stCondLst>
+                                        </p:cTn>
+                                        <p:tgtEl>
+                                          <p:spTgt spid="2"/>
+                                        </p:tgtEl>
+                                        <p:attrNameLst>
+                                          <p:attrName>style.visibility</p:attrName>
+                                        </p:attrNameLst>
+                                      </p:cBhvr>
+                                      <p:to>
+                                        <p:strVal val="visible"/>
+                                      </p:to>
+                                    </p:set>
+                                    <p:anim calcmode="lin" valueType="num">
+                                      <p:cBhvr>
+                                        <p:cTn id="7" dur="500" fill="hold"/>
+                                        <p:tgtEl>
+                                          <p:spTgt spid="2"/>
+                                        </p:tgtEl>
+                                        <p:attrNameLst>
+                                          <p:attrName>ppt_w</p:attrName>
+                                        </p:attrNameLst>
+                                      </p:cBhvr>
+                                      <p:tavLst>
+                                        <p:tav tm="0">
+                                          <p:val>
+                                            <p:fltVal val="0"/>
+                                          </p:val>
+                                        </p:tav>
+                                        <p:tav tm="100000">
+                                          <p:val>
+                                            <p:strVal val="#ppt_w"/>
+                                          </p:val>
+                                        </p:tav>
+                                      </p:tavLst>
+                                    </p:anim>
+                                    <p:anim calcmode="lin" valueType="num">
+                                      <p:cBhvr>
+                                        <p:cTn id="8" dur="500" fill="hold"/>
+                                        <p:tgtEl>
+                                          <p:spTgt spid="2"/>
+                                        </p:tgtEl>
+                                        <p:attrNameLst>
+                                          <p:attrName>ppt_h</p:attrName>
+                                        </p:attrNameLst>
+                                      </p:cBhvr>
+                                      <p:tavLst>
+                                        <p:tav tm="0">
+                                          <p:val>
+                                            <p:fltVal val="0"/>
+                                          </p:val>
+                                        </p:tav>
+                                        <p:tav tm="100000">
+                                          <p:val>
+                                            <p:strVal val="#ppt_h"/>
+                                          </p:val>
+                                        </p:tav>
+                                      </p:tavLst>
+                                    </p:anim>
+                                    <p:animEffect transition="in" filter="fade">
+                                      <p:cBhvr>
+                                        <p:cTn id="9" dur="500"/>
+                                        <p:tgtEl>
+                                          <p:spTgt spid="2"/>
+                                        </p:tgtEl>
+                                      </p:cBhvr>
+                                    </p:animEffect>
+                                  </p:childTnLst>
+                                </p:cTn>
+                              </p:par>
+                              <p:par>
+                                <p:cTn id="10" presetID="53" presetClass="entr" presetSubtype="16" fill="hold" grpId="0" nodeType="withEffect">
+                                  <p:stCondLst>
+                                    <p:cond delay="0"/>
+                                  </p:stCondLst>
+                                  <p:childTnLst>
+                                    <p:set>
+                                      <p:cBhvr>
+                                        <p:cTn id="11" dur="1" fill="hold">
+                                          <p:stCondLst>
+                                            <p:cond delay="0"/>
+                                          </p:stCondLst>
+                                        </p:cTn>
+                                        <p:tgtEl>
+                                          <p:spTgt spid="4"/>
+                                        </p:tgtEl>
+                                        <p:attrNameLst>
+                                          <p:attrName>style.visibility</p:attrName>
+                                        </p:attrNameLst>
+                                      </p:cBhvr>
+                                      <p:to>
+                                        <p:strVal val="visible"/>
+                                      </p:to>
+                                    </p:set>
+                                    <p:anim calcmode="lin" valueType="num">
+                                      <p:cBhvr>
+                                        <p:cTn id="12" dur="500" fill="hold"/>
+                                        <p:tgtEl>
+                                          <p:spTgt spid="4"/>
+                                        </p:tgtEl>
+                                        <p:attrNameLst>
+                                          <p:attrName>ppt_w</p:attrName>
+                                        </p:attrNameLst>
+                                      </p:cBhvr>
+                                      <p:tavLst>
+                                        <p:tav tm="0">
+                                          <p:val>
+                                            <p:fltVal val="0"/>
+                                          </p:val>
+                                        </p:tav>
+                                        <p:tav tm="100000">
+                                          <p:val>
+                                            <p:strVal val="#ppt_w"/>
+                                          </p:val>
+                                        </p:tav>
+                                      </p:tavLst>
+                                    </p:anim>
+                                    <p:anim calcmode="lin" valueType="num">
+                                      <p:cBhvr>
+                                        <p:cTn id="13" dur="500" fill="hold"/>
+                                        <p:tgtEl>
+                                          <p:spTgt spid="4"/>
+                                        </p:tgtEl>
+                                        <p:attrNameLst>
+                                          <p:attrName>ppt_h</p:attrName>
+                                        </p:attrNameLst>
+                                      </p:cBhvr>
+                                      <p:tavLst>
+                                        <p:tav tm="0">
+                                          <p:val>
+                                            <p:fltVal val="0"/>
+                                          </p:val>
+                                        </p:tav>
+                                        <p:tav tm="100000">
+                                          <p:val>
+                                            <p:strVal val="#ppt_h"/>
+                                          </p:val>
+                                        </p:tav>
+                                      </p:tavLst>
+                                    </p:anim>
+                                    <p:animEffect transition="in" filter="fade">
+                                      <p:cBhvr>
+                                        <p:cTn id="14" dur="500"/>
+                                        <p:tgtEl>
+                                          <p:spTgt spid="4"/>
+                                        </p:tgtEl>
+                                      </p:cBhvr>
+                                    </p:animEffect>
+                                  </p:childTnLst>
+                                </p:cTn>
+                              </p:par>
+                              <p:par>
+                                <p:cTn id="15" presetID="53" presetClass="entr" presetSubtype="16" fill="hold" grpId="0" nodeType="withEffect">
+                                  <p:stCondLst>
+                                    <p:cond delay="0"/>
+                                  </p:stCondLst>
+                                  <p:childTnLst>
+                                    <p:set>
+                                      <p:cBhvr>
+                                        <p:cTn id="16" dur="1" fill="hold">
+                                          <p:stCondLst>
+                                            <p:cond delay="0"/>
+                                          </p:stCondLst>
+                                        </p:cTn>
+                                        <p:tgtEl>
+                                          <p:spTgt spid="3"/>
+                                        </p:tgtEl>
+                                        <p:attrNameLst>
+                                          <p:attrName>style.visibility</p:attrName>
+                                        </p:attrNameLst>
+                                      </p:cBhvr>
+                                      <p:to>
+                                        <p:strVal val="visible"/>
+                                      </p:to>
+                                    </p:set>
+                                    <p:anim calcmode="lin" valueType="num">
+                                      <p:cBhvr>
+                                        <p:cTn id="17" dur="500" fill="hold"/>
+                                        <p:tgtEl>
+                                          <p:spTgt spid="3"/>
+                                        </p:tgtEl>
+                                        <p:attrNameLst>
+                                          <p:attrName>ppt_w</p:attrName>
+                                        </p:attrNameLst>
+                                      </p:cBhvr>
+                                      <p:tavLst>
+                                        <p:tav tm="0">
+                                          <p:val>
+                                            <p:fltVal val="0"/>
+                                          </p:val>
+                                        </p:tav>
+                                        <p:tav tm="100000">
+                                          <p:val>
+                                            <p:strVal val="#ppt_w"/>
+                                          </p:val>
+                                        </p:tav>
+                                      </p:tavLst>
+                                    </p:anim>
+                                    <p:anim calcmode="lin" valueType="num">
+                                      <p:cBhvr>
+                                        <p:cTn id="18" dur="500" fill="hold"/>
+                                        <p:tgtEl>
+                                          <p:spTgt spid="3"/>
+                                        </p:tgtEl>
+                                        <p:attrNameLst>
+                                          <p:attrName>ppt_h</p:attrName>
+                                        </p:attrNameLst>
+                                      </p:cBhvr>
+                                      <p:tavLst>
+                                        <p:tav tm="0">
+                                          <p:val>
+                                            <p:fltVal val="0"/>
+                                          </p:val>
+                                        </p:tav>
+                                        <p:tav tm="100000">
+                                          <p:val>
+                                            <p:strVal val="#ppt_h"/>
+                                          </p:val>
+                                        </p:tav>
+                                      </p:tavLst>
+                                    </p:anim>
+                                    <p:animEffect transition="in" filter="fade">
+                                      <p:cBhvr>
+                                        <p:cTn id="19" dur="500"/>
+                                        <p:tgtEl>
+                                          <p:spTgt spid="3"/>
+                                        </p:tgtEl>
+                                      </p:cBhvr>
+                                    </p:animEffect>
+                                  </p:childTnLst>
+                                </p:cTn>
+                              </p:par>
+                              <p:par>
+                                <p:cTn id="20" presetID="53" presetClass="entr" presetSubtype="16" fill="hold" grpId="0" nodeType="withEffect">
+                                  <p:stCondLst>
+                                    <p:cond delay="0"/>
+                                  </p:stCondLst>
+                                  <p:childTnLst>
+                                    <p:set>
+                                      <p:cBhvr>
+                                        <p:cTn id="21" dur="1" fill="hold">
+                                          <p:stCondLst>
+                                            <p:cond delay="0"/>
+                                          </p:stCondLst>
+                                        </p:cTn>
+                                        <p:tgtEl>
+                                          <p:spTgt spid="5"/>
+                                        </p:tgtEl>
+                                        <p:attrNameLst>
+                                          <p:attrName>style.visibility</p:attrName>
+                                        </p:attrNameLst>
+                                      </p:cBhvr>
+                                      <p:to>
+                                        <p:strVal val="visible"/>
+                                      </p:to>
+                                    </p:set>
+                                    <p:anim calcmode="lin" valueType="num">
+                                      <p:cBhvr>
+                                        <p:cTn id="22" dur="500" fill="hold"/>
+                                        <p:tgtEl>
+                                          <p:spTgt spid="5"/>
+                                        </p:tgtEl>
+                                        <p:attrNameLst>
+                                          <p:attrName>ppt_w</p:attrName>
+                                        </p:attrNameLst>
+                                      </p:cBhvr>
+                                      <p:tavLst>
+                                        <p:tav tm="0">
+                                          <p:val>
+                                            <p:fltVal val="0"/>
+                                          </p:val>
+                                        </p:tav>
+                                        <p:tav tm="100000">
+                                          <p:val>
+                                            <p:strVal val="#ppt_w"/>
+                                          </p:val>
+                                        </p:tav>
+                                      </p:tavLst>
+                                    </p:anim>
+                                    <p:anim calcmode="lin" valueType="num">
+                                      <p:cBhvr>
+                                        <p:cTn id="23" dur="500" fill="hold"/>
+                                        <p:tgtEl>
+                                          <p:spTgt spid="5"/>
+                                        </p:tgtEl>
+                                        <p:attrNameLst>
+                                          <p:attrName>ppt_h</p:attrName>
+                                        </p:attrNameLst>
+                                      </p:cBhvr>
+                                      <p:tavLst>
+                                        <p:tav tm="0">
+                                          <p:val>
+                                            <p:fltVal val="0"/>
+                                          </p:val>
+                                        </p:tav>
+                                        <p:tav tm="100000">
+                                          <p:val>
+                                            <p:strVal val="#ppt_h"/>
+                                          </p:val>
+                                        </p:tav>
+                                      </p:tavLst>
+                                    </p:anim>
+                                    <p:animEffect transition="in" filter="fade">
+                                      <p:cBhvr>
+                                        <p:cTn id="24" dur="500"/>
+                                        <p:tgtEl>
+                                          <p:spTgt spid="5"/>
+                                        </p:tgtEl>
+                                      </p:cBhvr>
+                                    </p:animEffect>
+                                  </p:childTnLst>
+                                </p:cTn>
+                              </p:par>
+                            </p:childTnLst>
+                          </p:cTn>
+                        </p:par>
+                        <p:par>
+                          <p:cTn id="25" fill="hold">
+                            <p:stCondLst>
+                              <p:cond delay="500"/>
+                            </p:stCondLst>
+                            <p:childTnLst>
+                              <p:par>
+                                <p:cTn id="26" presetID="42" presetClass="entr" presetSubtype="0" fill="hold" grpId="0" nodeType="afterEffect">
+                                  <p:stCondLst>
+                                    <p:cond delay="0"/>
+                                  </p:stCondLst>
+                                  <p:childTnLst>
+                                    <p:set>
+                                      <p:cBhvr>
+                                        <p:cTn id="27" dur="1" fill="hold">
+                                          <p:stCondLst>
+                                            <p:cond delay="0"/>
+                                          </p:stCondLst>
+                                        </p:cTn>
+                                        <p:tgtEl>
+                                          <p:spTgt spid="6"/>
+                                        </p:tgtEl>
+                                        <p:attrNameLst>
+                                          <p:attrName>style.visibility</p:attrName>
+                                        </p:attrNameLst>
+                                      </p:cBhvr>
+                                      <p:to>
+                                        <p:strVal val="visible"/>
+                                      </p:to>
+                                    </p:set>
+                                    <p:animEffect transition="in" filter="fade">
+                                      <p:cBhvr>
+                                        <p:cTn id="28" dur="1000"/>
+                                        <p:tgtEl>
+                                          <p:spTgt spid="6"/>
+                                        </p:tgtEl>
+                                      </p:cBhvr>
+                                    </p:animEffect>
+                                    <p:anim calcmode="lin" valueType="num">
+                                      <p:cBhvr>
+                                        <p:cTn id="29" dur="1000" fill="hold"/>
+                                        <p:tgtEl>
+                                          <p:spTgt spid="6"/>
+                                        </p:tgtEl>
+                                        <p:attrNameLst>
+                                          <p:attrName>ppt_x</p:attrName>
+                                        </p:attrNameLst>
+                                      </p:cBhvr>
+                                      <p:tavLst>
+                                        <p:tav tm="0">
+                                          <p:val>
+                                            <p:strVal val="#ppt_x"/>
+                                          </p:val>
+                                        </p:tav>
+                                        <p:tav tm="100000">
+                                          <p:val>
+                                            <p:strVal val="#ppt_x"/>
+                                          </p:val>
+                                        </p:tav>
+                                      </p:tavLst>
+                                    </p:anim>
+                                    <p:anim calcmode="lin" valueType="num">
+                                      <p:cBhvr>
+                                        <p:cTn id="30" dur="1000" fill="hold"/>
+                                        <p:tgtEl>
+                                          <p:spTgt spid="6"/>
+                                        </p:tgtEl>
+                                        <p:attrNameLst>
+                                          <p:attrName>ppt_y</p:attrName>
+                                        </p:attrNameLst>
+                                      </p:cBhvr>
+                                      <p:tavLst>
+                                        <p:tav tm="0">
+                                          <p:val>
+                                            <p:strVal val="#ppt_y+.1"/>
+                                          </p:val>
+                                        </p:tav>
+                                        <p:tav tm="100000">
+                                          <p:val>
+                                            <p:strVal val="#ppt_y"/>
+                                          </p:val>
+                                        </p:tav>
+                                      </p:tavLst>
+                                    </p:anim>
+                                  </p:childTnLst>
+                                </p:cTn>
+                              </p:par>
+                            </p:childTnLst>
+                          </p:cTn>
+                        </p:par>
+                      </p:childTnLst>
+                    </p:cTn>
+                  </p:par>
+                </p:childTnLst>
+              </p:cTn>
+              <p:prevCondLst>
+                <p:cond evt="onPrev" delay="0">
+                  <p:tgtEl>
+                    <p:sldTgt/>
+                  </p:tgtEl>
+                </p:cond>
+              </p:prevCondLst>
+              <p:nextCondLst>
+                <p:cond evt="onNext" delay="0">
+                  <p:tgtEl>
+                    <p:sldTgt/>
+                  </p:tgtEl>
+                </p:cond>
+              </p:nextCondLst>
+            </p:seq>
+          </p:childTnLst>
+        </p:cTn>
+      </p:par>
+    </p:tnLst>
+    <p:bldLst>
+      <p:bldP spid="4" grpId="0" bldLvl="0" animBg="1"/>
+      <p:bldP spid="3" grpId="0" bldLvl="0" animBg="1"/>
+      <p:bldP spid="5" grpId="0"/>
+      <p:bldP spid="6" grpId="0"/>
+    </p:bldLst>
+  </p:timing>
+</p:sld>
+</file>
+
+<file path=ppt/slides/slide30.xml><?xml version="1.0" encoding="utf-8"?>
+<p:sld xmlns:a="http://schemas.openxmlformats.org/drawingml/2006/main" xmlns:r="http://schemas.openxmlformats.org/officeDocument/2006/relationships" xmlns:p="http://schemas.openxmlformats.org/presentationml/2006/main">
+  <p:cSld>
+    <p:spTree>
+      <p:nvGrpSpPr>
+        <p:cNvPr id="1" name=""/>
+        <p:cNvGrpSpPr/>
+        <p:nvPr/>
+      </p:nvGrpSpPr>
+      <p:grpSpPr>
+        <a:xfrm>
+          <a:off x="0" y="0"/>
+          <a:ext cx="0" cy="0"/>
+          <a:chOff x="0" y="0"/>
+          <a:chExt cx="0" cy="0"/>
+        </a:xfrm>
+      </p:grpSpPr>
+      <p:pic>
+        <p:nvPicPr>
+          <p:cNvPr id="38" name="图片 37"/>
+          <p:cNvPicPr>
+            <a:picLocks noChangeAspect="1"/>
+          </p:cNvPicPr>
+          <p:nvPr/>
+        </p:nvPicPr>
+        <p:blipFill>
+          <a:blip r:embed="rId1"/>
+          <a:stretch>
+            <a:fillRect/>
+          </a:stretch>
+        </p:blipFill>
+        <p:spPr>
+          <a:xfrm flipH="1">
+            <a:off x="392589" y="382858"/>
+            <a:ext cx="1065570" cy="1059575"/>
+          </a:xfrm>
+          <a:prstGeom prst="rect">
+            <a:avLst/>
+          </a:prstGeom>
+        </p:spPr>
+      </p:pic>
+      <p:sp>
+        <p:nvSpPr>
+          <p:cNvPr id="2" name="文本框 1"/>
+          <p:cNvSpPr txBox="1"/>
+          <p:nvPr/>
+        </p:nvSpPr>
+        <p:spPr>
+          <a:xfrm>
+            <a:off x="2376805" y="621030"/>
+            <a:ext cx="7439025" cy="583565"/>
+          </a:xfrm>
+          <a:prstGeom prst="rect">
+            <a:avLst/>
+          </a:prstGeom>
+          <a:noFill/>
+        </p:spPr>
+        <p:txBody>
+          <a:bodyPr wrap="square" rtlCol="0" anchor="t">
+            <a:spAutoFit/>
+          </a:bodyPr>
+          <a:p>
+            <a:r>
+              <a:rPr lang="en-US" altLang="zh-CN" sz="3200" b="1">
+                <a:solidFill>
+                  <a:schemeClr val="bg1"/>
+                </a:solidFill>
+                <a:sym typeface="+mn-ea"/>
+              </a:rPr>
+              <a:t>Performance Comparison Interface</a:t>
+            </a:r>
+            <a:endParaRPr lang="en-US" altLang="zh-CN" sz="3200">
+              <a:solidFill>
+                <a:schemeClr val="bg1"/>
+              </a:solidFill>
+            </a:endParaRPr>
+          </a:p>
+        </p:txBody>
+      </p:sp>
+      <p:pic>
+        <p:nvPicPr>
+          <p:cNvPr id="4" name="图片 3"/>
+          <p:cNvPicPr>
+            <a:picLocks noChangeAspect="1"/>
+          </p:cNvPicPr>
+          <p:nvPr/>
+        </p:nvPicPr>
+        <p:blipFill>
+          <a:blip r:embed="rId2"/>
+          <a:stretch>
+            <a:fillRect/>
+          </a:stretch>
+        </p:blipFill>
+        <p:spPr>
+          <a:xfrm>
+            <a:off x="2748915" y="1167130"/>
+            <a:ext cx="6694805" cy="5440045"/>
+          </a:xfrm>
+          <a:prstGeom prst="rect">
+            <a:avLst/>
+          </a:prstGeom>
+        </p:spPr>
+      </p:pic>
+    </p:spTree>
+  </p:cSld>
+  <p:clrMapOvr>
+    <a:masterClrMapping/>
+  </p:clrMapOvr>
+  <mc:AlternateContent xmlns:mc="http://schemas.openxmlformats.org/markup-compatibility/2006">
+    <mc:Choice xmlns:p14="http://schemas.microsoft.com/office/powerpoint/2010/main" Requires="p14">
+      <p:transition spd="slow" p14:dur="1500">
+        <p:random/>
+      </p:transition>
+    </mc:Choice>
+    <mc:Fallback>
+      <p:transition spd="slow">
+        <p:random/>
+      </p:transition>
+    </mc:Fallback>
+  </mc:AlternateContent>
+  <p:timing>
+    <p:tnLst>
+      <p:par>
+        <p:cTn id="1" dur="indefinite" restart="never" nodeType="tmRoot"/>
+      </p:par>
+    </p:tnLst>
+  </p:timing>
+</p:sld>
+</file>
+
+<file path=ppt/slides/slide31.xml><?xml version="1.0" encoding="utf-8"?>
+<p:sld xmlns:a="http://schemas.openxmlformats.org/drawingml/2006/main" xmlns:r="http://schemas.openxmlformats.org/officeDocument/2006/relationships" xmlns:p="http://schemas.openxmlformats.org/presentationml/2006/main">
+  <p:cSld>
+    <p:spTree>
+      <p:nvGrpSpPr>
+        <p:cNvPr id="1" name=""/>
+        <p:cNvGrpSpPr/>
+        <p:nvPr/>
+      </p:nvGrpSpPr>
+      <p:grpSpPr>
+        <a:xfrm>
+          <a:off x="0" y="0"/>
+          <a:ext cx="0" cy="0"/>
+          <a:chOff x="0" y="0"/>
+          <a:chExt cx="0" cy="0"/>
+        </a:xfrm>
+      </p:grpSpPr>
+      <p:pic>
+        <p:nvPicPr>
+          <p:cNvPr id="38" name="图片 37"/>
+          <p:cNvPicPr>
+            <a:picLocks noChangeAspect="1"/>
+          </p:cNvPicPr>
+          <p:nvPr/>
+        </p:nvPicPr>
+        <p:blipFill>
+          <a:blip r:embed="rId1"/>
+          <a:stretch>
+            <a:fillRect/>
+          </a:stretch>
+        </p:blipFill>
+        <p:spPr>
+          <a:xfrm flipH="1">
+            <a:off x="392589" y="382858"/>
+            <a:ext cx="1065570" cy="1059575"/>
+          </a:xfrm>
+          <a:prstGeom prst="rect">
+            <a:avLst/>
+          </a:prstGeom>
+        </p:spPr>
+      </p:pic>
+      <p:sp>
+        <p:nvSpPr>
+          <p:cNvPr id="2" name="文本框 1"/>
+          <p:cNvSpPr txBox="1"/>
+          <p:nvPr/>
+        </p:nvSpPr>
+        <p:spPr>
+          <a:xfrm>
+            <a:off x="2893695" y="528320"/>
+            <a:ext cx="6403975" cy="583565"/>
+          </a:xfrm>
+          <a:prstGeom prst="rect">
+            <a:avLst/>
+          </a:prstGeom>
+          <a:noFill/>
+        </p:spPr>
+        <p:txBody>
+          <a:bodyPr wrap="square" rtlCol="0" anchor="t">
+            <a:spAutoFit/>
+          </a:bodyPr>
+          <a:p>
+            <a:r>
+              <a:rPr lang="en-US" altLang="zh-CN" sz="3200" b="1">
+                <a:solidFill>
+                  <a:schemeClr val="bg1"/>
+                </a:solidFill>
+                <a:sym typeface="+mn-ea"/>
+              </a:rPr>
+              <a:t>Emergency Dispatch Simulation</a:t>
+            </a:r>
+            <a:endParaRPr lang="en-US" altLang="zh-CN" sz="3200">
+              <a:solidFill>
+                <a:schemeClr val="bg1"/>
+              </a:solidFill>
+            </a:endParaRPr>
+          </a:p>
+        </p:txBody>
+      </p:sp>
+      <p:pic>
+        <p:nvPicPr>
+          <p:cNvPr id="4" name="图片 3" descr="84651854e9801e71fc307432144357fe"/>
+          <p:cNvPicPr>
+            <a:picLocks noChangeAspect="1"/>
+          </p:cNvPicPr>
+          <p:nvPr/>
+        </p:nvPicPr>
+        <p:blipFill>
+          <a:blip r:embed="rId2"/>
+          <a:stretch>
+            <a:fillRect/>
+          </a:stretch>
+        </p:blipFill>
+        <p:spPr>
+          <a:xfrm>
+            <a:off x="2825750" y="1528445"/>
+            <a:ext cx="6540500" cy="4914900"/>
+          </a:xfrm>
+          <a:prstGeom prst="rect">
+            <a:avLst/>
+          </a:prstGeom>
+        </p:spPr>
+      </p:pic>
+    </p:spTree>
+  </p:cSld>
+  <p:clrMapOvr>
+    <a:masterClrMapping/>
+  </p:clrMapOvr>
+  <mc:AlternateContent xmlns:mc="http://schemas.openxmlformats.org/markup-compatibility/2006">
+    <mc:Choice xmlns:p14="http://schemas.microsoft.com/office/powerpoint/2010/main" Requires="p14">
+      <p:transition spd="slow" p14:dur="1500">
+        <p:random/>
+      </p:transition>
+    </mc:Choice>
+    <mc:Fallback>
+      <p:transition spd="slow">
+        <p:random/>
+      </p:transition>
+    </mc:Fallback>
+  </mc:AlternateContent>
+  <p:timing>
+    <p:tnLst>
+      <p:par>
+        <p:cTn id="1" dur="indefinite" restart="never" nodeType="tmRoot"/>
+      </p:par>
+    </p:tnLst>
+  </p:timing>
+</p:sld>
+</file>
+
+<file path=ppt/slides/slide32.xml><?xml version="1.0" encoding="utf-8"?>
+<p:sld xmlns:a="http://schemas.openxmlformats.org/drawingml/2006/main" xmlns:r="http://schemas.openxmlformats.org/officeDocument/2006/relationships" xmlns:p="http://schemas.openxmlformats.org/presentationml/2006/main">
+  <p:cSld>
+    <p:spTree>
+      <p:nvGrpSpPr>
+        <p:cNvPr id="1" name=""/>
+        <p:cNvGrpSpPr/>
+        <p:nvPr/>
+      </p:nvGrpSpPr>
+      <p:grpSpPr>
+        <a:xfrm>
+          <a:off x="0" y="0"/>
+          <a:ext cx="0" cy="0"/>
+          <a:chOff x="0" y="0"/>
+          <a:chExt cx="0" cy="0"/>
+        </a:xfrm>
+      </p:grpSpPr>
+      <p:pic>
+        <p:nvPicPr>
+          <p:cNvPr id="38" name="图片 37"/>
+          <p:cNvPicPr>
+            <a:picLocks noChangeAspect="1"/>
+          </p:cNvPicPr>
+          <p:nvPr/>
+        </p:nvPicPr>
+        <p:blipFill>
+          <a:blip r:embed="rId1"/>
+          <a:stretch>
+            <a:fillRect/>
+          </a:stretch>
+        </p:blipFill>
+        <p:spPr>
+          <a:xfrm flipH="1">
+            <a:off x="392589" y="382858"/>
+            <a:ext cx="1065570" cy="1059575"/>
+          </a:xfrm>
+          <a:prstGeom prst="rect">
+            <a:avLst/>
+          </a:prstGeom>
+        </p:spPr>
+      </p:pic>
+      <p:sp>
+        <p:nvSpPr>
+          <p:cNvPr id="2" name="文本框 1"/>
+          <p:cNvSpPr txBox="1"/>
+          <p:nvPr/>
+        </p:nvSpPr>
+        <p:spPr>
+          <a:xfrm>
+            <a:off x="2893695" y="528320"/>
+            <a:ext cx="6403975" cy="583565"/>
+          </a:xfrm>
+          <a:prstGeom prst="rect">
+            <a:avLst/>
+          </a:prstGeom>
+          <a:noFill/>
+        </p:spPr>
+        <p:txBody>
+          <a:bodyPr wrap="square" rtlCol="0" anchor="t">
+            <a:spAutoFit/>
+          </a:bodyPr>
+          <a:p>
+            <a:r>
+              <a:rPr lang="en-US" altLang="zh-CN" sz="3200" b="1">
+                <a:solidFill>
+                  <a:schemeClr val="bg1"/>
+                </a:solidFill>
+                <a:sym typeface="+mn-ea"/>
+              </a:rPr>
+              <a:t>Emergency Dispatch Simulation</a:t>
+            </a:r>
+            <a:endParaRPr lang="en-US" altLang="zh-CN" sz="3200">
+              <a:solidFill>
+                <a:schemeClr val="bg1"/>
+              </a:solidFill>
+            </a:endParaRPr>
+          </a:p>
+        </p:txBody>
+      </p:sp>
+      <p:pic>
+        <p:nvPicPr>
+          <p:cNvPr id="3" name="图片 2"/>
+          <p:cNvPicPr>
+            <a:picLocks noChangeAspect="1"/>
+          </p:cNvPicPr>
+          <p:nvPr/>
+        </p:nvPicPr>
+        <p:blipFill>
+          <a:blip r:embed="rId2"/>
+          <a:stretch>
+            <a:fillRect/>
+          </a:stretch>
+        </p:blipFill>
+        <p:spPr>
+          <a:xfrm>
+            <a:off x="2823845" y="1442720"/>
+            <a:ext cx="6544310" cy="4917440"/>
+          </a:xfrm>
+          <a:prstGeom prst="rect">
+            <a:avLst/>
+          </a:prstGeom>
+        </p:spPr>
+      </p:pic>
+    </p:spTree>
+  </p:cSld>
+  <p:clrMapOvr>
+    <a:masterClrMapping/>
+  </p:clrMapOvr>
+  <mc:AlternateContent xmlns:mc="http://schemas.openxmlformats.org/markup-compatibility/2006">
+    <mc:Choice xmlns:p14="http://schemas.microsoft.com/office/powerpoint/2010/main" Requires="p14">
+      <p:transition spd="slow" p14:dur="1500">
+        <p:random/>
+      </p:transition>
+    </mc:Choice>
+    <mc:Fallback>
+      <p:transition spd="slow">
+        <p:random/>
+      </p:transition>
+    </mc:Fallback>
+  </mc:AlternateContent>
+  <p:timing>
+    <p:tnLst>
+      <p:par>
+        <p:cTn id="1" dur="indefinite" restart="never" nodeType="tmRoot"/>
+      </p:par>
+    </p:tnLst>
+  </p:timing>
+</p:sld>
+</file>
+
+<file path=ppt/slides/slide33.xml><?xml version="1.0" encoding="utf-8"?>
 <p:sld xmlns:a="http://schemas.openxmlformats.org/drawingml/2006/main" xmlns:r="http://schemas.openxmlformats.org/officeDocument/2006/relationships" xmlns:p="http://schemas.openxmlformats.org/presentationml/2006/main">
   <p:cSld>
     <p:spTree>
@@ -8388,7 +10936,7 @@
 </p:sld>
 </file>
 
-<file path=ppt/slides/slide25.xml><?xml version="1.0" encoding="utf-8"?>
+<file path=ppt/slides/slide34.xml><?xml version="1.0" encoding="utf-8"?>
 <p:sld xmlns:a="http://schemas.openxmlformats.org/drawingml/2006/main" xmlns:r="http://schemas.openxmlformats.org/officeDocument/2006/relationships" xmlns:p="http://schemas.openxmlformats.org/presentationml/2006/main">
   <p:cSld>
     <p:spTree>
@@ -9175,7 +11723,7 @@
 </p:sld>
 </file>
 
-<file path=ppt/slides/slide26.xml><?xml version="1.0" encoding="utf-8"?>
+<file path=ppt/slides/slide35.xml><?xml version="1.0" encoding="utf-8"?>
 <p:sld xmlns:a="http://schemas.openxmlformats.org/drawingml/2006/main" xmlns:r="http://schemas.openxmlformats.org/officeDocument/2006/relationships" xmlns:p="http://schemas.openxmlformats.org/presentationml/2006/main">
   <p:cSld>
     <p:spTree>
@@ -9369,7 +11917,7 @@
 </p:sld>
 </file>
 
-<file path=ppt/slides/slide27.xml><?xml version="1.0" encoding="utf-8"?>
+<file path=ppt/slides/slide36.xml><?xml version="1.0" encoding="utf-8"?>
 <p:sld xmlns:a="http://schemas.openxmlformats.org/drawingml/2006/main" xmlns:r="http://schemas.openxmlformats.org/officeDocument/2006/relationships" xmlns:p="http://schemas.openxmlformats.org/presentationml/2006/main">
   <p:cSld>
     <p:spTree>
@@ -9626,7 +12174,7 @@
 </p:sld>
 </file>
 
-<file path=ppt/slides/slide28.xml><?xml version="1.0" encoding="utf-8"?>
+<file path=ppt/slides/slide37.xml><?xml version="1.0" encoding="utf-8"?>
 <p:sld xmlns:a="http://schemas.openxmlformats.org/drawingml/2006/main" xmlns:r="http://schemas.openxmlformats.org/officeDocument/2006/relationships" xmlns:p="http://schemas.openxmlformats.org/presentationml/2006/main">
   <p:cSld>
     <p:spTree>
@@ -10413,7 +12961,7 @@
 </p:sld>
 </file>
 
-<file path=ppt/slides/slide29.xml><?xml version="1.0" encoding="utf-8"?>
+<file path=ppt/slides/slide38.xml><?xml version="1.0" encoding="utf-8"?>
 <p:sld xmlns:a="http://schemas.openxmlformats.org/drawingml/2006/main" xmlns:r="http://schemas.openxmlformats.org/officeDocument/2006/relationships" xmlns:p="http://schemas.openxmlformats.org/presentationml/2006/main">
   <p:cSld>
     <p:spTree>
@@ -17476,522 +20024,21 @@
                             </p:childTnLst>
                           </p:cTn>
                         </p:par>
-                      </p:childTnLst>
-                    </p:cTn>
-                  </p:par>
-                </p:childTnLst>
-              </p:cTn>
-              <p:prevCondLst>
-                <p:cond evt="onPrev" delay="0">
-                  <p:tgtEl>
-                    <p:sldTgt/>
-                  </p:tgtEl>
-                </p:cond>
-              </p:prevCondLst>
-              <p:nextCondLst>
-                <p:cond evt="onNext" delay="0">
-                  <p:tgtEl>
-                    <p:sldTgt/>
-                  </p:tgtEl>
-                </p:cond>
-              </p:nextCondLst>
-            </p:seq>
-          </p:childTnLst>
-        </p:cTn>
-      </p:par>
-    </p:tnLst>
-  </p:timing>
-</p:sld>
-</file>
-
-<file path=ppt/slides/slide3.xml><?xml version="1.0" encoding="utf-8"?>
-<p:sld xmlns:a="http://schemas.openxmlformats.org/drawingml/2006/main" xmlns:r="http://schemas.openxmlformats.org/officeDocument/2006/relationships" xmlns:p="http://schemas.openxmlformats.org/presentationml/2006/main">
-  <p:cSld>
-    <p:spTree>
-      <p:nvGrpSpPr>
-        <p:cNvPr id="1" name=""/>
-        <p:cNvGrpSpPr/>
-        <p:nvPr/>
-      </p:nvGrpSpPr>
-      <p:grpSpPr>
-        <a:xfrm>
-          <a:off x="0" y="0"/>
-          <a:ext cx="0" cy="0"/>
-          <a:chOff x="0" y="0"/>
-          <a:chExt cx="0" cy="0"/>
-        </a:xfrm>
-      </p:grpSpPr>
-      <p:pic>
-        <p:nvPicPr>
-          <p:cNvPr id="2" name="图片 1"/>
-          <p:cNvPicPr>
-            <a:picLocks noChangeAspect="1"/>
-          </p:cNvPicPr>
-          <p:nvPr/>
-        </p:nvPicPr>
-        <p:blipFill>
-          <a:blip r:embed="rId1"/>
-          <a:stretch>
-            <a:fillRect/>
-          </a:stretch>
-        </p:blipFill>
-        <p:spPr>
-          <a:xfrm flipH="1">
-            <a:off x="4927600" y="1532382"/>
-            <a:ext cx="2336800" cy="2323656"/>
-          </a:xfrm>
-          <a:prstGeom prst="rect">
-            <a:avLst/>
-          </a:prstGeom>
-        </p:spPr>
-      </p:pic>
-      <p:sp>
-        <p:nvSpPr>
-          <p:cNvPr id="4" name="椭圆 3"/>
-          <p:cNvSpPr/>
-          <p:nvPr/>
-        </p:nvSpPr>
-        <p:spPr>
-          <a:xfrm>
-            <a:off x="5273040" y="1871250"/>
-            <a:ext cx="1645920" cy="1645920"/>
-          </a:xfrm>
-          <a:prstGeom prst="ellipse">
-            <a:avLst/>
-          </a:prstGeom>
-          <a:solidFill>
-            <a:srgbClr val="00265E">
-              <a:alpha val="29000"/>
-            </a:srgbClr>
-          </a:solidFill>
-          <a:ln w="38100">
-            <a:gradFill flip="none" rotWithShape="1">
-              <a:gsLst>
-                <a:gs pos="0">
-                  <a:srgbClr val="24DBFD"/>
-                </a:gs>
-                <a:gs pos="100000">
-                  <a:srgbClr val="002FFC"/>
-                </a:gs>
-              </a:gsLst>
-              <a:lin ang="2700000" scaled="1"/>
-            </a:gradFill>
-          </a:ln>
-        </p:spPr>
-        <p:style>
-          <a:lnRef idx="2">
-            <a:schemeClr val="accent1">
-              <a:shade val="50000"/>
-            </a:schemeClr>
-          </a:lnRef>
-          <a:fillRef idx="1">
-            <a:schemeClr val="accent1"/>
-          </a:fillRef>
-          <a:effectRef idx="0">
-            <a:schemeClr val="accent1"/>
-          </a:effectRef>
-          <a:fontRef idx="minor">
-            <a:schemeClr val="lt1"/>
-          </a:fontRef>
-        </p:style>
-        <p:txBody>
-          <a:bodyPr rot="0" spcFirstLastPara="0" vertOverflow="overflow" horzOverflow="overflow" vert="horz" wrap="square" lIns="91440" tIns="45720" rIns="91440" bIns="45720" numCol="1" spcCol="0" rtlCol="0" fromWordArt="0" anchor="ctr" anchorCtr="0" forceAA="0" compatLnSpc="1">
-            <a:noAutofit/>
-          </a:bodyPr>
-          <a:lstStyle/>
-          <a:p>
-            <a:pPr algn="ctr"/>
-            <a:endParaRPr lang="zh-CN" altLang="en-US"/>
-          </a:p>
-        </p:txBody>
-      </p:sp>
-      <p:sp>
-        <p:nvSpPr>
-          <p:cNvPr id="3" name="椭圆 2"/>
-          <p:cNvSpPr/>
-          <p:nvPr/>
-        </p:nvSpPr>
-        <p:spPr>
-          <a:xfrm>
-            <a:off x="5530628" y="2128838"/>
-            <a:ext cx="1130744" cy="1130744"/>
-          </a:xfrm>
-          <a:prstGeom prst="ellipse">
-            <a:avLst/>
-          </a:prstGeom>
-          <a:solidFill>
-            <a:srgbClr val="00265E"/>
-          </a:solidFill>
-          <a:ln>
-            <a:noFill/>
-          </a:ln>
-        </p:spPr>
-        <p:style>
-          <a:lnRef idx="2">
-            <a:schemeClr val="accent1">
-              <a:shade val="50000"/>
-            </a:schemeClr>
-          </a:lnRef>
-          <a:fillRef idx="1">
-            <a:schemeClr val="accent1"/>
-          </a:fillRef>
-          <a:effectRef idx="0">
-            <a:schemeClr val="accent1"/>
-          </a:effectRef>
-          <a:fontRef idx="minor">
-            <a:schemeClr val="lt1"/>
-          </a:fontRef>
-        </p:style>
-        <p:txBody>
-          <a:bodyPr rot="0" spcFirstLastPara="0" vertOverflow="overflow" horzOverflow="overflow" vert="horz" wrap="square" lIns="91440" tIns="45720" rIns="91440" bIns="45720" numCol="1" spcCol="0" rtlCol="0" fromWordArt="0" anchor="ctr" anchorCtr="0" forceAA="0" compatLnSpc="1">
-            <a:noAutofit/>
-          </a:bodyPr>
-          <a:lstStyle/>
-          <a:p>
-            <a:pPr algn="ctr"/>
-            <a:endParaRPr lang="zh-CN" altLang="en-US"/>
-          </a:p>
-        </p:txBody>
-      </p:sp>
-      <p:sp>
-        <p:nvSpPr>
-          <p:cNvPr id="5" name="文本框 4"/>
-          <p:cNvSpPr txBox="1"/>
-          <p:nvPr/>
-        </p:nvSpPr>
-        <p:spPr>
-          <a:xfrm>
-            <a:off x="5530628" y="2278712"/>
-            <a:ext cx="1130744" cy="829945"/>
-          </a:xfrm>
-          <a:prstGeom prst="rect">
-            <a:avLst/>
-          </a:prstGeom>
-          <a:noFill/>
-        </p:spPr>
-        <p:txBody>
-          <a:bodyPr wrap="square" rtlCol="0">
-            <a:spAutoFit/>
-            <a:scene3d>
-              <a:camera prst="orthographicFront"/>
-              <a:lightRig rig="threePt" dir="t"/>
-            </a:scene3d>
-            <a:sp3d contourW="12700"/>
-          </a:bodyPr>
-          <a:lstStyle/>
-          <a:p>
-            <a:pPr algn="ctr"/>
-            <a:r>
-              <a:rPr lang="en-US" altLang="zh-CN" sz="4800" dirty="0">
-                <a:gradFill>
-                  <a:gsLst>
-                    <a:gs pos="0">
-                      <a:srgbClr val="002FFC"/>
-                    </a:gs>
-                    <a:gs pos="100000">
-                      <a:srgbClr val="24DBFD"/>
-                    </a:gs>
-                  </a:gsLst>
-                  <a:lin ang="2700000" scaled="1"/>
-                </a:gradFill>
-                <a:latin typeface="Agency FB" panose="020B0503020202020204" pitchFamily="34" charset="0"/>
-                <a:ea typeface="时尚中黑简体" panose="01010104010101010101" pitchFamily="2" charset="-122"/>
-              </a:rPr>
-              <a:t>01</a:t>
-            </a:r>
-            <a:endParaRPr lang="zh-CN" altLang="en-US" sz="4800" dirty="0">
-              <a:gradFill>
-                <a:gsLst>
-                  <a:gs pos="0">
-                    <a:srgbClr val="002FFC"/>
-                  </a:gs>
-                  <a:gs pos="100000">
-                    <a:srgbClr val="24DBFD"/>
-                  </a:gs>
-                </a:gsLst>
-                <a:lin ang="2700000" scaled="1"/>
-              </a:gradFill>
-              <a:latin typeface="时尚中黑简体" panose="01010104010101010101" pitchFamily="2" charset="-122"/>
-              <a:ea typeface="时尚中黑简体" panose="01010104010101010101" pitchFamily="2" charset="-122"/>
-            </a:endParaRPr>
-          </a:p>
-        </p:txBody>
-      </p:sp>
-      <p:sp>
-        <p:nvSpPr>
-          <p:cNvPr id="6" name="文本框 5"/>
-          <p:cNvSpPr txBox="1"/>
-          <p:nvPr/>
-        </p:nvSpPr>
-        <p:spPr>
-          <a:xfrm>
-            <a:off x="2875915" y="4159885"/>
-            <a:ext cx="6891655" cy="706755"/>
-          </a:xfrm>
-          <a:prstGeom prst="rect">
-            <a:avLst/>
-          </a:prstGeom>
-          <a:noFill/>
-        </p:spPr>
-        <p:txBody>
-          <a:bodyPr wrap="square" rtlCol="0">
-            <a:spAutoFit/>
-            <a:scene3d>
-              <a:camera prst="orthographicFront"/>
-              <a:lightRig rig="threePt" dir="t"/>
-            </a:scene3d>
-            <a:sp3d contourW="12700"/>
-          </a:bodyPr>
-          <a:lstStyle/>
-          <a:p>
-            <a:pPr algn="ctr"/>
-            <a:r>
-              <a:rPr lang="en-US" altLang="zh-CN" sz="4000" dirty="0">
-                <a:gradFill>
-                  <a:gsLst>
-                    <a:gs pos="0">
-                      <a:srgbClr val="002FFC"/>
-                    </a:gs>
-                    <a:gs pos="100000">
-                      <a:srgbClr val="24DBFD"/>
-                    </a:gs>
-                  </a:gsLst>
-                  <a:lin ang="2700000" scaled="1"/>
-                </a:gradFill>
-                <a:latin typeface="时尚中黑简体" panose="01010104010101010101" pitchFamily="2" charset="-122"/>
-                <a:ea typeface="时尚中黑简体" panose="01010104010101010101" pitchFamily="2" charset="-122"/>
-              </a:rPr>
-              <a:t>Introduction</a:t>
-            </a:r>
-            <a:endParaRPr lang="en-US" altLang="zh-CN" sz="4000" dirty="0">
-              <a:gradFill>
-                <a:gsLst>
-                  <a:gs pos="0">
-                    <a:srgbClr val="002FFC"/>
-                  </a:gs>
-                  <a:gs pos="100000">
-                    <a:srgbClr val="24DBFD"/>
-                  </a:gs>
-                </a:gsLst>
-                <a:lin ang="2700000" scaled="1"/>
-              </a:gradFill>
-              <a:latin typeface="时尚中黑简体" panose="01010104010101010101" pitchFamily="2" charset="-122"/>
-              <a:ea typeface="时尚中黑简体" panose="01010104010101010101" pitchFamily="2" charset="-122"/>
-            </a:endParaRPr>
-          </a:p>
-        </p:txBody>
-      </p:sp>
-    </p:spTree>
-  </p:cSld>
-  <p:clrMapOvr>
-    <a:masterClrMapping/>
-  </p:clrMapOvr>
-  <mc:AlternateContent xmlns:mc="http://schemas.openxmlformats.org/markup-compatibility/2006">
-    <mc:Choice xmlns:p14="http://schemas.microsoft.com/office/powerpoint/2010/main" Requires="p14">
-      <p:transition spd="slow" p14:dur="1500">
-        <p:random/>
-      </p:transition>
-    </mc:Choice>
-    <mc:Fallback>
-      <p:transition spd="slow">
-        <p:random/>
-      </p:transition>
-    </mc:Fallback>
-  </mc:AlternateContent>
-  <p:timing>
-    <p:tnLst>
-      <p:par>
-        <p:cTn id="1" dur="indefinite" restart="never" nodeType="tmRoot">
-          <p:childTnLst>
-            <p:seq concurrent="1" nextAc="seek">
-              <p:cTn id="2" dur="indefinite" nodeType="mainSeq">
-                <p:childTnLst>
-                  <p:par>
-                    <p:cTn id="3" fill="hold">
-                      <p:stCondLst>
-                        <p:cond delay="indefinite"/>
-                        <p:cond evt="onBegin" delay="0">
-                          <p:tn val="2"/>
-                        </p:cond>
-                      </p:stCondLst>
-                      <p:childTnLst>
                         <p:par>
-                          <p:cTn id="4" fill="hold">
+                          <p:cTn id="10" fill="hold">
                             <p:stCondLst>
-                              <p:cond delay="0"/>
+                              <p:cond delay="500"/>
                             </p:stCondLst>
                             <p:childTnLst>
                               <p:par>
-                                <p:cTn id="5" presetID="53" presetClass="entr" presetSubtype="16" fill="hold" nodeType="afterEffect">
+                                <p:cTn id="11" presetID="21" presetClass="entr" presetSubtype="1" fill="hold" grpId="0" nodeType="afterEffect">
                                   <p:stCondLst>
                                     <p:cond delay="0"/>
                                   </p:stCondLst>
                                   <p:childTnLst>
                                     <p:set>
                                       <p:cBhvr>
-                                        <p:cTn id="6" dur="1" fill="hold">
-                                          <p:stCondLst>
-                                            <p:cond delay="0"/>
-                                          </p:stCondLst>
-                                        </p:cTn>
-                                        <p:tgtEl>
-                                          <p:spTgt spid="2"/>
-                                        </p:tgtEl>
-                                        <p:attrNameLst>
-                                          <p:attrName>style.visibility</p:attrName>
-                                        </p:attrNameLst>
-                                      </p:cBhvr>
-                                      <p:to>
-                                        <p:strVal val="visible"/>
-                                      </p:to>
-                                    </p:set>
-                                    <p:anim calcmode="lin" valueType="num">
-                                      <p:cBhvr>
-                                        <p:cTn id="7" dur="500" fill="hold"/>
-                                        <p:tgtEl>
-                                          <p:spTgt spid="2"/>
-                                        </p:tgtEl>
-                                        <p:attrNameLst>
-                                          <p:attrName>ppt_w</p:attrName>
-                                        </p:attrNameLst>
-                                      </p:cBhvr>
-                                      <p:tavLst>
-                                        <p:tav tm="0">
-                                          <p:val>
-                                            <p:fltVal val="0"/>
-                                          </p:val>
-                                        </p:tav>
-                                        <p:tav tm="100000">
-                                          <p:val>
-                                            <p:strVal val="#ppt_w"/>
-                                          </p:val>
-                                        </p:tav>
-                                      </p:tavLst>
-                                    </p:anim>
-                                    <p:anim calcmode="lin" valueType="num">
-                                      <p:cBhvr>
-                                        <p:cTn id="8" dur="500" fill="hold"/>
-                                        <p:tgtEl>
-                                          <p:spTgt spid="2"/>
-                                        </p:tgtEl>
-                                        <p:attrNameLst>
-                                          <p:attrName>ppt_h</p:attrName>
-                                        </p:attrNameLst>
-                                      </p:cBhvr>
-                                      <p:tavLst>
-                                        <p:tav tm="0">
-                                          <p:val>
-                                            <p:fltVal val="0"/>
-                                          </p:val>
-                                        </p:tav>
-                                        <p:tav tm="100000">
-                                          <p:val>
-                                            <p:strVal val="#ppt_h"/>
-                                          </p:val>
-                                        </p:tav>
-                                      </p:tavLst>
-                                    </p:anim>
-                                    <p:animEffect transition="in" filter="fade">
-                                      <p:cBhvr>
-                                        <p:cTn id="9" dur="500"/>
-                                        <p:tgtEl>
-                                          <p:spTgt spid="2"/>
-                                        </p:tgtEl>
-                                      </p:cBhvr>
-                                    </p:animEffect>
-                                  </p:childTnLst>
-                                </p:cTn>
-                              </p:par>
-                              <p:par>
-                                <p:cTn id="10" presetID="53" presetClass="entr" presetSubtype="16" fill="hold" grpId="0" nodeType="withEffect">
-                                  <p:stCondLst>
-                                    <p:cond delay="0"/>
-                                  </p:stCondLst>
-                                  <p:childTnLst>
-                                    <p:set>
-                                      <p:cBhvr>
-                                        <p:cTn id="11" dur="1" fill="hold">
-                                          <p:stCondLst>
-                                            <p:cond delay="0"/>
-                                          </p:stCondLst>
-                                        </p:cTn>
-                                        <p:tgtEl>
-                                          <p:spTgt spid="4"/>
-                                        </p:tgtEl>
-                                        <p:attrNameLst>
-                                          <p:attrName>style.visibility</p:attrName>
-                                        </p:attrNameLst>
-                                      </p:cBhvr>
-                                      <p:to>
-                                        <p:strVal val="visible"/>
-                                      </p:to>
-                                    </p:set>
-                                    <p:anim calcmode="lin" valueType="num">
-                                      <p:cBhvr>
-                                        <p:cTn id="12" dur="500" fill="hold"/>
-                                        <p:tgtEl>
-                                          <p:spTgt spid="4"/>
-                                        </p:tgtEl>
-                                        <p:attrNameLst>
-                                          <p:attrName>ppt_w</p:attrName>
-                                        </p:attrNameLst>
-                                      </p:cBhvr>
-                                      <p:tavLst>
-                                        <p:tav tm="0">
-                                          <p:val>
-                                            <p:fltVal val="0"/>
-                                          </p:val>
-                                        </p:tav>
-                                        <p:tav tm="100000">
-                                          <p:val>
-                                            <p:strVal val="#ppt_w"/>
-                                          </p:val>
-                                        </p:tav>
-                                      </p:tavLst>
-                                    </p:anim>
-                                    <p:anim calcmode="lin" valueType="num">
-                                      <p:cBhvr>
-                                        <p:cTn id="13" dur="500" fill="hold"/>
-                                        <p:tgtEl>
-                                          <p:spTgt spid="4"/>
-                                        </p:tgtEl>
-                                        <p:attrNameLst>
-                                          <p:attrName>ppt_h</p:attrName>
-                                        </p:attrNameLst>
-                                      </p:cBhvr>
-                                      <p:tavLst>
-                                        <p:tav tm="0">
-                                          <p:val>
-                                            <p:fltVal val="0"/>
-                                          </p:val>
-                                        </p:tav>
-                                        <p:tav tm="100000">
-                                          <p:val>
-                                            <p:strVal val="#ppt_h"/>
-                                          </p:val>
-                                        </p:tav>
-                                      </p:tavLst>
-                                    </p:anim>
-                                    <p:animEffect transition="in" filter="fade">
-                                      <p:cBhvr>
-                                        <p:cTn id="14" dur="500"/>
-                                        <p:tgtEl>
-                                          <p:spTgt spid="4"/>
-                                        </p:tgtEl>
-                                      </p:cBhvr>
-                                    </p:animEffect>
-                                  </p:childTnLst>
-                                </p:cTn>
-                              </p:par>
-                              <p:par>
-                                <p:cTn id="15" presetID="53" presetClass="entr" presetSubtype="16" fill="hold" grpId="0" nodeType="withEffect">
-                                  <p:stCondLst>
-                                    <p:cond delay="0"/>
-                                  </p:stCondLst>
-                                  <p:childTnLst>
-                                    <p:set>
-                                      <p:cBhvr>
-                                        <p:cTn id="16" dur="1" fill="hold">
+                                        <p:cTn id="12" dur="1" fill="hold">
                                           <p:stCondLst>
                                             <p:cond delay="0"/>
                                           </p:stCondLst>
@@ -18007,138 +20054,11 @@
                                         <p:strVal val="visible"/>
                                       </p:to>
                                     </p:set>
-                                    <p:anim calcmode="lin" valueType="num">
+                                    <p:animEffect transition="in" filter="wheel(1)">
                                       <p:cBhvr>
-                                        <p:cTn id="17" dur="500" fill="hold"/>
+                                        <p:cTn id="13" dur="2000"/>
                                         <p:tgtEl>
                                           <p:spTgt spid="3"/>
-                                        </p:tgtEl>
-                                        <p:attrNameLst>
-                                          <p:attrName>ppt_w</p:attrName>
-                                        </p:attrNameLst>
-                                      </p:cBhvr>
-                                      <p:tavLst>
-                                        <p:tav tm="0">
-                                          <p:val>
-                                            <p:fltVal val="0"/>
-                                          </p:val>
-                                        </p:tav>
-                                        <p:tav tm="100000">
-                                          <p:val>
-                                            <p:strVal val="#ppt_w"/>
-                                          </p:val>
-                                        </p:tav>
-                                      </p:tavLst>
-                                    </p:anim>
-                                    <p:anim calcmode="lin" valueType="num">
-                                      <p:cBhvr>
-                                        <p:cTn id="18" dur="500" fill="hold"/>
-                                        <p:tgtEl>
-                                          <p:spTgt spid="3"/>
-                                        </p:tgtEl>
-                                        <p:attrNameLst>
-                                          <p:attrName>ppt_h</p:attrName>
-                                        </p:attrNameLst>
-                                      </p:cBhvr>
-                                      <p:tavLst>
-                                        <p:tav tm="0">
-                                          <p:val>
-                                            <p:fltVal val="0"/>
-                                          </p:val>
-                                        </p:tav>
-                                        <p:tav tm="100000">
-                                          <p:val>
-                                            <p:strVal val="#ppt_h"/>
-                                          </p:val>
-                                        </p:tav>
-                                      </p:tavLst>
-                                    </p:anim>
-                                    <p:animEffect transition="in" filter="fade">
-                                      <p:cBhvr>
-                                        <p:cTn id="19" dur="500"/>
-                                        <p:tgtEl>
-                                          <p:spTgt spid="3"/>
-                                        </p:tgtEl>
-                                      </p:cBhvr>
-                                    </p:animEffect>
-                                  </p:childTnLst>
-                                </p:cTn>
-                              </p:par>
-                              <p:par>
-                                <p:cTn id="20" presetID="53" presetClass="entr" presetSubtype="16" fill="hold" grpId="0" nodeType="withEffect">
-                                  <p:stCondLst>
-                                    <p:cond delay="0"/>
-                                  </p:stCondLst>
-                                  <p:childTnLst>
-                                    <p:set>
-                                      <p:cBhvr>
-                                        <p:cTn id="21" dur="1" fill="hold">
-                                          <p:stCondLst>
-                                            <p:cond delay="0"/>
-                                          </p:stCondLst>
-                                        </p:cTn>
-                                        <p:tgtEl>
-                                          <p:spTgt spid="5"/>
-                                        </p:tgtEl>
-                                        <p:attrNameLst>
-                                          <p:attrName>style.visibility</p:attrName>
-                                        </p:attrNameLst>
-                                      </p:cBhvr>
-                                      <p:to>
-                                        <p:strVal val="visible"/>
-                                      </p:to>
-                                    </p:set>
-                                    <p:anim calcmode="lin" valueType="num">
-                                      <p:cBhvr>
-                                        <p:cTn id="22" dur="500" fill="hold"/>
-                                        <p:tgtEl>
-                                          <p:spTgt spid="5"/>
-                                        </p:tgtEl>
-                                        <p:attrNameLst>
-                                          <p:attrName>ppt_w</p:attrName>
-                                        </p:attrNameLst>
-                                      </p:cBhvr>
-                                      <p:tavLst>
-                                        <p:tav tm="0">
-                                          <p:val>
-                                            <p:fltVal val="0"/>
-                                          </p:val>
-                                        </p:tav>
-                                        <p:tav tm="100000">
-                                          <p:val>
-                                            <p:strVal val="#ppt_w"/>
-                                          </p:val>
-                                        </p:tav>
-                                      </p:tavLst>
-                                    </p:anim>
-                                    <p:anim calcmode="lin" valueType="num">
-                                      <p:cBhvr>
-                                        <p:cTn id="23" dur="500" fill="hold"/>
-                                        <p:tgtEl>
-                                          <p:spTgt spid="5"/>
-                                        </p:tgtEl>
-                                        <p:attrNameLst>
-                                          <p:attrName>ppt_h</p:attrName>
-                                        </p:attrNameLst>
-                                      </p:cBhvr>
-                                      <p:tavLst>
-                                        <p:tav tm="0">
-                                          <p:val>
-                                            <p:fltVal val="0"/>
-                                          </p:val>
-                                        </p:tav>
-                                        <p:tav tm="100000">
-                                          <p:val>
-                                            <p:strVal val="#ppt_h"/>
-                                          </p:val>
-                                        </p:tav>
-                                      </p:tavLst>
-                                    </p:anim>
-                                    <p:animEffect transition="in" filter="fade">
-                                      <p:cBhvr>
-                                        <p:cTn id="24" dur="500"/>
-                                        <p:tgtEl>
-                                          <p:spTgt spid="5"/>
                                         </p:tgtEl>
                                       </p:cBhvr>
                                     </p:animEffect>
@@ -18149,26 +20069,26 @@
                           </p:cTn>
                         </p:par>
                         <p:par>
-                          <p:cTn id="25" fill="hold">
+                          <p:cTn id="14" fill="hold">
                             <p:stCondLst>
-                              <p:cond delay="500"/>
+                              <p:cond delay="2500"/>
                             </p:stCondLst>
                             <p:childTnLst>
                               <p:par>
-                                <p:cTn id="26" presetID="42" presetClass="entr" presetSubtype="0" fill="hold" grpId="0" nodeType="afterEffect">
+                                <p:cTn id="15" presetID="21" presetClass="entr" presetSubtype="1" fill="hold" grpId="0" nodeType="afterEffect">
                                   <p:stCondLst>
                                     <p:cond delay="0"/>
                                   </p:stCondLst>
                                   <p:childTnLst>
                                     <p:set>
                                       <p:cBhvr>
-                                        <p:cTn id="27" dur="1" fill="hold">
+                                        <p:cTn id="16" dur="1" fill="hold">
                                           <p:stCondLst>
                                             <p:cond delay="0"/>
                                           </p:stCondLst>
                                         </p:cTn>
                                         <p:tgtEl>
-                                          <p:spTgt spid="6"/>
+                                          <p:spTgt spid="29"/>
                                         </p:tgtEl>
                                         <p:attrNameLst>
                                           <p:attrName>style.visibility</p:attrName>
@@ -18178,60 +20098,146 @@
                                         <p:strVal val="visible"/>
                                       </p:to>
                                     </p:set>
-                                    <p:animEffect transition="in" filter="fade">
+                                    <p:animEffect transition="in" filter="wheel(1)">
                                       <p:cBhvr>
-                                        <p:cTn id="28" dur="1000"/>
+                                        <p:cTn id="17" dur="2000"/>
                                         <p:tgtEl>
-                                          <p:spTgt spid="6"/>
+                                          <p:spTgt spid="29"/>
                                         </p:tgtEl>
                                       </p:cBhvr>
                                     </p:animEffect>
-                                    <p:anim calcmode="lin" valueType="num">
+                                  </p:childTnLst>
+                                </p:cTn>
+                              </p:par>
+                            </p:childTnLst>
+                          </p:cTn>
+                        </p:par>
+                        <p:par>
+                          <p:cTn id="18" fill="hold">
+                            <p:stCondLst>
+                              <p:cond delay="4500"/>
+                            </p:stCondLst>
+                            <p:childTnLst>
+                              <p:par>
+                                <p:cTn id="19" presetID="21" presetClass="entr" presetSubtype="1" fill="hold" grpId="0" nodeType="afterEffect">
+                                  <p:stCondLst>
+                                    <p:cond delay="0"/>
+                                  </p:stCondLst>
+                                  <p:childTnLst>
+                                    <p:set>
                                       <p:cBhvr>
-                                        <p:cTn id="29" dur="1000" fill="hold"/>
+                                        <p:cTn id="20" dur="1" fill="hold">
+                                          <p:stCondLst>
+                                            <p:cond delay="0"/>
+                                          </p:stCondLst>
+                                        </p:cTn>
                                         <p:tgtEl>
-                                          <p:spTgt spid="6"/>
+                                          <p:spTgt spid="30"/>
                                         </p:tgtEl>
                                         <p:attrNameLst>
-                                          <p:attrName>ppt_x</p:attrName>
+                                          <p:attrName>style.visibility</p:attrName>
                                         </p:attrNameLst>
                                       </p:cBhvr>
-                                      <p:tavLst>
-                                        <p:tav tm="0">
-                                          <p:val>
-                                            <p:strVal val="#ppt_x"/>
-                                          </p:val>
-                                        </p:tav>
-                                        <p:tav tm="100000">
-                                          <p:val>
-                                            <p:strVal val="#ppt_x"/>
-                                          </p:val>
-                                        </p:tav>
-                                      </p:tavLst>
-                                    </p:anim>
-                                    <p:anim calcmode="lin" valueType="num">
+                                      <p:to>
+                                        <p:strVal val="visible"/>
+                                      </p:to>
+                                    </p:set>
+                                    <p:animEffect transition="in" filter="wheel(1)">
                                       <p:cBhvr>
-                                        <p:cTn id="30" dur="1000" fill="hold"/>
+                                        <p:cTn id="21" dur="2000"/>
                                         <p:tgtEl>
-                                          <p:spTgt spid="6"/>
+                                          <p:spTgt spid="30"/>
+                                        </p:tgtEl>
+                                      </p:cBhvr>
+                                    </p:animEffect>
+                                  </p:childTnLst>
+                                </p:cTn>
+                              </p:par>
+                            </p:childTnLst>
+                          </p:cTn>
+                        </p:par>
+                        <p:par>
+                          <p:cTn id="22" fill="hold">
+                            <p:stCondLst>
+                              <p:cond delay="6500"/>
+                            </p:stCondLst>
+                            <p:childTnLst>
+                              <p:par>
+                                <p:cTn id="23" presetID="21" presetClass="entr" presetSubtype="1" fill="hold" grpId="0" nodeType="afterEffect">
+                                  <p:stCondLst>
+                                    <p:cond delay="0"/>
+                                  </p:stCondLst>
+                                  <p:childTnLst>
+                                    <p:set>
+                                      <p:cBhvr>
+                                        <p:cTn id="24" dur="1" fill="hold">
+                                          <p:stCondLst>
+                                            <p:cond delay="0"/>
+                                          </p:stCondLst>
+                                        </p:cTn>
+                                        <p:tgtEl>
+                                          <p:spTgt spid="31"/>
                                         </p:tgtEl>
                                         <p:attrNameLst>
-                                          <p:attrName>ppt_y</p:attrName>
+                                          <p:attrName>style.visibility</p:attrName>
                                         </p:attrNameLst>
                                       </p:cBhvr>
-                                      <p:tavLst>
-                                        <p:tav tm="0">
-                                          <p:val>
-                                            <p:strVal val="#ppt_y+.1"/>
-                                          </p:val>
-                                        </p:tav>
-                                        <p:tav tm="100000">
-                                          <p:val>
-                                            <p:strVal val="#ppt_y"/>
-                                          </p:val>
-                                        </p:tav>
-                                      </p:tavLst>
-                                    </p:anim>
+                                      <p:to>
+                                        <p:strVal val="visible"/>
+                                      </p:to>
+                                    </p:set>
+                                    <p:animEffect transition="in" filter="wheel(1)">
+                                      <p:cBhvr>
+                                        <p:cTn id="25" dur="2000"/>
+                                        <p:tgtEl>
+                                          <p:spTgt spid="31"/>
+                                        </p:tgtEl>
+                                      </p:cBhvr>
+                                    </p:animEffect>
+                                  </p:childTnLst>
+                                </p:cTn>
+                              </p:par>
+                            </p:childTnLst>
+                          </p:cTn>
+                        </p:par>
+                        <p:par>
+                          <p:cTn id="26" fill="hold">
+                            <p:stCondLst>
+                              <p:cond delay="8500"/>
+                            </p:stCondLst>
+                            <p:childTnLst>
+                              <p:par>
+                                <p:cTn id="27" presetID="21" presetClass="entr" presetSubtype="1" fill="hold" grpId="0" nodeType="afterEffect">
+                                  <p:stCondLst>
+                                    <p:cond delay="0"/>
+                                  </p:stCondLst>
+                                  <p:childTnLst>
+                                    <p:set>
+                                      <p:cBhvr>
+                                        <p:cTn id="28" dur="1" fill="hold">
+                                          <p:stCondLst>
+                                            <p:cond delay="0"/>
+                                          </p:stCondLst>
+                                        </p:cTn>
+                                        <p:tgtEl>
+                                          <p:spTgt spid="32"/>
+                                        </p:tgtEl>
+                                        <p:attrNameLst>
+                                          <p:attrName>style.visibility</p:attrName>
+                                        </p:attrNameLst>
+                                      </p:cBhvr>
+                                      <p:to>
+                                        <p:strVal val="visible"/>
+                                      </p:to>
+                                    </p:set>
+                                    <p:animEffect transition="in" filter="wheel(1)">
+                                      <p:cBhvr>
+                                        <p:cTn id="29" dur="2000"/>
+                                        <p:tgtEl>
+                                          <p:spTgt spid="32"/>
+                                        </p:tgtEl>
+                                      </p:cBhvr>
+                                    </p:animEffect>
                                   </p:childTnLst>
                                 </p:cTn>
                               </p:par>
@@ -18263,16 +20269,22 @@
       </p:par>
     </p:tnLst>
     <p:bldLst>
-      <p:bldP spid="4" grpId="0" bldLvl="0" animBg="1"/>
-      <p:bldP spid="3" grpId="0" bldLvl="0" animBg="1"/>
-      <p:bldP spid="5" grpId="0"/>
-      <p:bldP spid="6" grpId="0"/>
+      <p:bldP spid="3" grpId="0"/>
+      <p:bldP spid="29" grpId="0"/>
+      <p:bldP spid="30" grpId="0"/>
+      <p:bldP spid="31" grpId="0"/>
+      <p:bldP spid="32" grpId="0"/>
+      <p:bldP spid="3" grpId="1"/>
+      <p:bldP spid="29" grpId="1"/>
+      <p:bldP spid="30" grpId="1"/>
+      <p:bldP spid="31" grpId="1"/>
+      <p:bldP spid="32" grpId="1"/>
     </p:bldLst>
   </p:timing>
 </p:sld>
 </file>
 
-<file path=ppt/slides/slide30.xml><?xml version="1.0" encoding="utf-8"?>
+<file path=ppt/slides/slide39.xml><?xml version="1.0" encoding="utf-8"?>
 <p:sld xmlns:a="http://schemas.openxmlformats.org/drawingml/2006/main" xmlns:r="http://schemas.openxmlformats.org/officeDocument/2006/relationships" xmlns:p="http://schemas.openxmlformats.org/presentationml/2006/main">
   <p:cSld>
     <p:spTree>
@@ -19041,7 +21053,113 @@
 </p:sld>
 </file>
 
-<file path=ppt/slides/slide31.xml><?xml version="1.0" encoding="utf-8"?>
+<file path=ppt/slides/slide4.xml><?xml version="1.0" encoding="utf-8"?>
+<p:sld xmlns:a="http://schemas.openxmlformats.org/drawingml/2006/main" xmlns:r="http://schemas.openxmlformats.org/officeDocument/2006/relationships" xmlns:p="http://schemas.openxmlformats.org/presentationml/2006/main">
+  <p:cSld>
+    <p:spTree>
+      <p:nvGrpSpPr>
+        <p:cNvPr id="1" name=""/>
+        <p:cNvGrpSpPr/>
+        <p:nvPr/>
+      </p:nvGrpSpPr>
+      <p:grpSpPr>
+        <a:xfrm>
+          <a:off x="0" y="0"/>
+          <a:ext cx="0" cy="0"/>
+          <a:chOff x="0" y="0"/>
+          <a:chExt cx="0" cy="0"/>
+        </a:xfrm>
+      </p:grpSpPr>
+      <p:pic>
+        <p:nvPicPr>
+          <p:cNvPr id="38" name="图片 37"/>
+          <p:cNvPicPr>
+            <a:picLocks noChangeAspect="1"/>
+          </p:cNvPicPr>
+          <p:nvPr/>
+        </p:nvPicPr>
+        <p:blipFill>
+          <a:blip r:embed="rId1"/>
+          <a:stretch>
+            <a:fillRect/>
+          </a:stretch>
+        </p:blipFill>
+        <p:spPr>
+          <a:xfrm flipH="1">
+            <a:off x="392589" y="382858"/>
+            <a:ext cx="1065570" cy="1059575"/>
+          </a:xfrm>
+          <a:prstGeom prst="rect">
+            <a:avLst/>
+          </a:prstGeom>
+        </p:spPr>
+      </p:pic>
+      <p:sp>
+        <p:nvSpPr>
+          <p:cNvPr id="5" name="文本框 4"/>
+          <p:cNvSpPr txBox="1"/>
+          <p:nvPr/>
+        </p:nvSpPr>
+        <p:spPr>
+          <a:xfrm>
+            <a:off x="1692275" y="1726565"/>
+            <a:ext cx="8807450" cy="2919730"/>
+          </a:xfrm>
+          <a:prstGeom prst="rect">
+            <a:avLst/>
+          </a:prstGeom>
+          <a:noFill/>
+        </p:spPr>
+        <p:txBody>
+          <a:bodyPr wrap="square" rtlCol="0">
+            <a:noAutofit/>
+          </a:bodyPr>
+          <a:p>
+            <a:pPr algn="ctr"/>
+            <a:r>
+              <a:rPr lang="en-US" altLang="zh-CN" sz="2800">
+                <a:solidFill>
+                  <a:schemeClr val="bg1"/>
+                </a:solidFill>
+              </a:rPr>
+              <a:t>       This powerpoint details the design, implementation, and features of the City Emergency Response Management System. The project's core purpose is to provide an efficient and intuitive platform for managing urban emergencies by leveraging and comparing different priority queue data structures. Through this system, we demonstrate the practical application of various data structures, their performance characteristics, and their impact on realworld emergency management scenarios.</a:t>
+            </a:r>
+            <a:endParaRPr lang="en-US" altLang="zh-CN" sz="2800">
+              <a:solidFill>
+                <a:schemeClr val="bg1"/>
+              </a:solidFill>
+            </a:endParaRPr>
+          </a:p>
+        </p:txBody>
+      </p:sp>
+    </p:spTree>
+  </p:cSld>
+  <p:clrMapOvr>
+    <a:masterClrMapping/>
+  </p:clrMapOvr>
+  <mc:AlternateContent xmlns:mc="http://schemas.openxmlformats.org/markup-compatibility/2006">
+    <mc:Choice xmlns:p14="http://schemas.microsoft.com/office/powerpoint/2010/main" Requires="p14">
+      <p:transition spd="slow" p14:dur="1500">
+        <p:random/>
+      </p:transition>
+    </mc:Choice>
+    <mc:Fallback>
+      <p:transition spd="slow">
+        <p:random/>
+      </p:transition>
+    </mc:Fallback>
+  </mc:AlternateContent>
+  <p:timing>
+    <p:tnLst>
+      <p:par>
+        <p:cTn id="1" dur="indefinite" restart="never" nodeType="tmRoot"/>
+      </p:par>
+    </p:tnLst>
+  </p:timing>
+</p:sld>
+</file>
+
+<file path=ppt/slides/slide40.xml><?xml version="1.0" encoding="utf-8"?>
 <p:sld xmlns:a="http://schemas.openxmlformats.org/drawingml/2006/main" xmlns:r="http://schemas.openxmlformats.org/officeDocument/2006/relationships" xmlns:p="http://schemas.openxmlformats.org/presentationml/2006/main">
   <p:cSld>
     <p:spTree>
@@ -19346,7 +21464,7 @@
 </p:sld>
 </file>
 
-<file path=ppt/slides/slide32.xml><?xml version="1.0" encoding="utf-8"?>
+<file path=ppt/slides/slide41.xml><?xml version="1.0" encoding="utf-8"?>
 <p:sld xmlns:a="http://schemas.openxmlformats.org/drawingml/2006/main" xmlns:r="http://schemas.openxmlformats.org/officeDocument/2006/relationships" xmlns:p="http://schemas.openxmlformats.org/presentationml/2006/main">
   <p:cSld>
     <p:spTree>
@@ -20115,7 +22233,7 @@
 </p:sld>
 </file>
 
-<file path=ppt/slides/slide33.xml><?xml version="1.0" encoding="utf-8"?>
+<file path=ppt/slides/slide42.xml><?xml version="1.0" encoding="utf-8"?>
 <p:sld xmlns:a="http://schemas.openxmlformats.org/drawingml/2006/main" xmlns:r="http://schemas.openxmlformats.org/officeDocument/2006/relationships" xmlns:p="http://schemas.openxmlformats.org/presentationml/2006/main">
   <p:cSld>
     <p:spTree>
@@ -20386,7 +22504,7 @@
 </p:sld>
 </file>
 
-<file path=ppt/slides/slide34.xml><?xml version="1.0" encoding="utf-8"?>
+<file path=ppt/slides/slide43.xml><?xml version="1.0" encoding="utf-8"?>
 <p:sld xmlns:a="http://schemas.openxmlformats.org/drawingml/2006/main" xmlns:r="http://schemas.openxmlformats.org/officeDocument/2006/relationships" xmlns:p="http://schemas.openxmlformats.org/presentationml/2006/main">
   <p:cSld>
     <p:spTree>
@@ -20656,7 +22774,7 @@
 </p:sld>
 </file>
 
-<file path=ppt/slides/slide35.xml><?xml version="1.0" encoding="utf-8"?>
+<file path=ppt/slides/slide44.xml><?xml version="1.0" encoding="utf-8"?>
 <p:sld xmlns:a="http://schemas.openxmlformats.org/drawingml/2006/main" xmlns:r="http://schemas.openxmlformats.org/officeDocument/2006/relationships" xmlns:p="http://schemas.openxmlformats.org/presentationml/2006/main">
   <p:cSld>
     <p:spTree>
@@ -21426,7 +23544,7 @@
 </p:sld>
 </file>
 
-<file path=ppt/slides/slide36.xml><?xml version="1.0" encoding="utf-8"?>
+<file path=ppt/slides/slide45.xml><?xml version="1.0" encoding="utf-8"?>
 <p:sld xmlns:a="http://schemas.openxmlformats.org/drawingml/2006/main" xmlns:r="http://schemas.openxmlformats.org/officeDocument/2006/relationships" xmlns:p="http://schemas.openxmlformats.org/presentationml/2006/main">
   <p:cSld>
     <p:spTree>
@@ -21579,7 +23697,7 @@
 </p:sld>
 </file>
 
-<file path=ppt/slides/slide37.xml><?xml version="1.0" encoding="utf-8"?>
+<file path=ppt/slides/slide46.xml><?xml version="1.0" encoding="utf-8"?>
 <p:sld xmlns:a="http://schemas.openxmlformats.org/drawingml/2006/main" xmlns:r="http://schemas.openxmlformats.org/officeDocument/2006/relationships" xmlns:p="http://schemas.openxmlformats.org/presentationml/2006/main">
   <p:cSld>
     <p:spTree>
@@ -21913,112 +24031,6 @@
     <p:bldLst>
       <p:bldP spid="4" grpId="0"/>
     </p:bldLst>
-  </p:timing>
-</p:sld>
-</file>
-
-<file path=ppt/slides/slide4.xml><?xml version="1.0" encoding="utf-8"?>
-<p:sld xmlns:a="http://schemas.openxmlformats.org/drawingml/2006/main" xmlns:r="http://schemas.openxmlformats.org/officeDocument/2006/relationships" xmlns:p="http://schemas.openxmlformats.org/presentationml/2006/main">
-  <p:cSld>
-    <p:spTree>
-      <p:nvGrpSpPr>
-        <p:cNvPr id="1" name=""/>
-        <p:cNvGrpSpPr/>
-        <p:nvPr/>
-      </p:nvGrpSpPr>
-      <p:grpSpPr>
-        <a:xfrm>
-          <a:off x="0" y="0"/>
-          <a:ext cx="0" cy="0"/>
-          <a:chOff x="0" y="0"/>
-          <a:chExt cx="0" cy="0"/>
-        </a:xfrm>
-      </p:grpSpPr>
-      <p:pic>
-        <p:nvPicPr>
-          <p:cNvPr id="38" name="图片 37"/>
-          <p:cNvPicPr>
-            <a:picLocks noChangeAspect="1"/>
-          </p:cNvPicPr>
-          <p:nvPr/>
-        </p:nvPicPr>
-        <p:blipFill>
-          <a:blip r:embed="rId1"/>
-          <a:stretch>
-            <a:fillRect/>
-          </a:stretch>
-        </p:blipFill>
-        <p:spPr>
-          <a:xfrm flipH="1">
-            <a:off x="392589" y="382858"/>
-            <a:ext cx="1065570" cy="1059575"/>
-          </a:xfrm>
-          <a:prstGeom prst="rect">
-            <a:avLst/>
-          </a:prstGeom>
-        </p:spPr>
-      </p:pic>
-      <p:sp>
-        <p:nvSpPr>
-          <p:cNvPr id="5" name="文本框 4"/>
-          <p:cNvSpPr txBox="1"/>
-          <p:nvPr/>
-        </p:nvSpPr>
-        <p:spPr>
-          <a:xfrm>
-            <a:off x="1692275" y="1726565"/>
-            <a:ext cx="8807450" cy="2919730"/>
-          </a:xfrm>
-          <a:prstGeom prst="rect">
-            <a:avLst/>
-          </a:prstGeom>
-          <a:noFill/>
-        </p:spPr>
-        <p:txBody>
-          <a:bodyPr wrap="square" rtlCol="0">
-            <a:noAutofit/>
-          </a:bodyPr>
-          <a:p>
-            <a:pPr algn="ctr"/>
-            <a:r>
-              <a:rPr lang="en-US" altLang="zh-CN" sz="2800">
-                <a:solidFill>
-                  <a:schemeClr val="bg1"/>
-                </a:solidFill>
-              </a:rPr>
-              <a:t>       This powerpoint details the design, implementation, and features of the City Emergency Response Management System. The project's core purpose is to provide an efficient and intuitive platform for managing urban emergencies by leveraging and comparing different priority queue data structures. Through this system, we demonstrate the practical application of various data structures, their performance characteristics, and their impact on realworld emergency management scenarios.</a:t>
-            </a:r>
-            <a:endParaRPr lang="en-US" altLang="zh-CN" sz="2800">
-              <a:solidFill>
-                <a:schemeClr val="bg1"/>
-              </a:solidFill>
-            </a:endParaRPr>
-          </a:p>
-        </p:txBody>
-      </p:sp>
-    </p:spTree>
-  </p:cSld>
-  <p:clrMapOvr>
-    <a:masterClrMapping/>
-  </p:clrMapOvr>
-  <mc:AlternateContent xmlns:mc="http://schemas.openxmlformats.org/markup-compatibility/2006">
-    <mc:Choice xmlns:p14="http://schemas.microsoft.com/office/powerpoint/2010/main" Requires="p14">
-      <p:transition spd="slow" p14:dur="1500">
-        <p:random/>
-      </p:transition>
-    </mc:Choice>
-    <mc:Fallback>
-      <p:transition spd="slow">
-        <p:random/>
-      </p:transition>
-    </mc:Fallback>
-  </mc:AlternateContent>
-  <p:timing>
-    <p:tnLst>
-      <p:par>
-        <p:cTn id="1" dur="indefinite" restart="never" nodeType="tmRoot"/>
-      </p:par>
-    </p:tnLst>
   </p:timing>
 </p:sld>
 </file>
@@ -23899,7 +25911,7 @@
                 <a:latin typeface="Consolas" panose="020B0609020204030204"/>
                 <a:ea typeface="Consolas" panose="020B0609020204030204"/>
               </a:rPr>
-              <a:t>5.2. Priority Queue Data Structures</a:t>
+              <a:t>3.2. Priority Queue Data Structures</a:t>
             </a:r>
             <a:endParaRPr lang="en-US" altLang="zh-CN" sz="2000" b="1">
               <a:solidFill>
@@ -23938,7 +25950,7 @@
                   <a:schemeClr val="bg1"/>
                 </a:solidFill>
               </a:rPr>
-              <a:t>5.2.1. Linked List Implementation (LinkedListPriorityQueue)</a:t>
+              <a:t>3.2.1. Linked List Implementation (LinkedListPriorityQueue)</a:t>
             </a:r>
             <a:endParaRPr lang="en-US" altLang="zh-CN">
               <a:solidFill>

--- a/docs/final powerpoint.pptx
+++ b/docs/final powerpoint.pptx
@@ -11880,7 +11880,7 @@
                   <a:schemeClr val="bg1"/>
                 </a:solidFill>
               </a:rPr>
-              <a:t>The test suite covers all core data structures and utility functions, including edge cases and basic operations. The overall project test coverage is 89%, ensuring high reliability of the core functionalities.</a:t>
+              <a:t>The test suite covers all core data structures and utility functions, including edge cases and basic operations. The overall project test coverage is 86%, ensuring high reliability of the core functionalities.</a:t>
             </a:r>
             <a:endParaRPr lang="en-US" altLang="zh-CN" sz="2400">
               <a:solidFill>

--- a/docs/final powerpoint.pptx
+++ b/docs/final powerpoint.pptx
@@ -9,7 +9,7 @@
     <p:notesMasterId r:id="rId5"/>
   </p:notesMasterIdLst>
   <p:handoutMasterIdLst>
-    <p:handoutMasterId r:id="rId51"/>
+    <p:handoutMasterId r:id="rId52"/>
   </p:handoutMasterIdLst>
   <p:sldIdLst>
     <p:sldId id="260" r:id="rId4"/>
@@ -47,22 +47,23 @@
     <p:sldId id="405" r:id="rId37"/>
     <p:sldId id="366" r:id="rId38"/>
     <p:sldId id="388" r:id="rId39"/>
-    <p:sldId id="389" r:id="rId40"/>
-    <p:sldId id="285" r:id="rId41"/>
-    <p:sldId id="415" r:id="rId42"/>
-    <p:sldId id="364" r:id="rId43"/>
-    <p:sldId id="411" r:id="rId44"/>
-    <p:sldId id="369" r:id="rId45"/>
-    <p:sldId id="400" r:id="rId46"/>
-    <p:sldId id="401" r:id="rId47"/>
-    <p:sldId id="371" r:id="rId48"/>
-    <p:sldId id="407" r:id="rId49"/>
-    <p:sldId id="340" r:id="rId50"/>
+    <p:sldId id="533" r:id="rId40"/>
+    <p:sldId id="389" r:id="rId41"/>
+    <p:sldId id="285" r:id="rId42"/>
+    <p:sldId id="415" r:id="rId43"/>
+    <p:sldId id="364" r:id="rId44"/>
+    <p:sldId id="411" r:id="rId45"/>
+    <p:sldId id="369" r:id="rId46"/>
+    <p:sldId id="400" r:id="rId47"/>
+    <p:sldId id="401" r:id="rId48"/>
+    <p:sldId id="371" r:id="rId49"/>
+    <p:sldId id="407" r:id="rId50"/>
+    <p:sldId id="340" r:id="rId51"/>
   </p:sldIdLst>
   <p:sldSz cx="12192000" cy="6858000"/>
   <p:notesSz cx="6858000" cy="9144000"/>
   <p:custDataLst>
-    <p:tags r:id="rId55"/>
+    <p:tags r:id="rId56"/>
   </p:custDataLst>
   <p:defaultTextStyle>
     <a:defPPr>
@@ -11926,6 +11927,84 @@
         <p:cNvGrpSpPr/>
         <p:nvPr/>
       </p:nvGrpSpPr>
+      <p:grpSpPr/>
+      <p:pic>
+        <p:nvPicPr>
+          <p:cNvPr id="8" name="图片 7"/>
+          <p:cNvPicPr>
+            <a:picLocks noChangeAspect="1"/>
+          </p:cNvPicPr>
+          <p:nvPr/>
+        </p:nvPicPr>
+        <p:blipFill>
+          <a:blip r:embed="rId1"/>
+          <a:stretch>
+            <a:fillRect/>
+          </a:stretch>
+        </p:blipFill>
+        <p:spPr>
+          <a:xfrm flipH="1">
+            <a:off x="392589" y="382858"/>
+            <a:ext cx="1065570" cy="1059575"/>
+          </a:xfrm>
+          <a:prstGeom prst="rect">
+            <a:avLst/>
+          </a:prstGeom>
+        </p:spPr>
+      </p:pic>
+      <p:pic>
+        <p:nvPicPr>
+          <p:cNvPr id="9" name="图片 8"/>
+          <p:cNvPicPr>
+            <a:picLocks noChangeAspect="1"/>
+          </p:cNvPicPr>
+          <p:nvPr/>
+        </p:nvPicPr>
+        <p:blipFill>
+          <a:blip r:embed="rId2"/>
+          <a:stretch>
+            <a:fillRect/>
+          </a:stretch>
+        </p:blipFill>
+        <p:spPr>
+          <a:xfrm>
+            <a:off x="1355090" y="1475740"/>
+            <a:ext cx="9481185" cy="5382260"/>
+          </a:xfrm>
+          <a:prstGeom prst="rect">
+            <a:avLst/>
+          </a:prstGeom>
+        </p:spPr>
+      </p:pic>
+    </p:spTree>
+  </p:cSld>
+  <p:clrMapOvr>
+    <a:masterClrMapping/>
+  </p:clrMapOvr>
+  <mc:AlternateContent xmlns:mc="http://schemas.openxmlformats.org/markup-compatibility/2006">
+    <mc:Choice xmlns:p14="http://schemas.microsoft.com/office/powerpoint/2010/main" Requires="p14">
+      <p:transition spd="slow" p14:dur="1500">
+        <p:random/>
+      </p:transition>
+    </mc:Choice>
+    <mc:Fallback>
+      <p:transition spd="slow">
+        <p:random/>
+      </p:transition>
+    </mc:Fallback>
+  </mc:AlternateContent>
+</p:sld>
+</file>
+
+<file path=ppt/slides/slide37.xml><?xml version="1.0" encoding="utf-8"?>
+<p:sld xmlns:a="http://schemas.openxmlformats.org/drawingml/2006/main" xmlns:r="http://schemas.openxmlformats.org/officeDocument/2006/relationships" xmlns:p="http://schemas.openxmlformats.org/presentationml/2006/main">
+  <p:cSld>
+    <p:spTree>
+      <p:nvGrpSpPr>
+        <p:cNvPr id="1" name=""/>
+        <p:cNvGrpSpPr/>
+        <p:nvPr/>
+      </p:nvGrpSpPr>
       <p:grpSpPr>
         <a:xfrm>
           <a:off x="0" y="0"/>
@@ -12174,7 +12253,7 @@
 </p:sld>
 </file>
 
-<file path=ppt/slides/slide37.xml><?xml version="1.0" encoding="utf-8"?>
+<file path=ppt/slides/slide38.xml><?xml version="1.0" encoding="utf-8"?>
 <p:sld xmlns:a="http://schemas.openxmlformats.org/drawingml/2006/main" xmlns:r="http://schemas.openxmlformats.org/officeDocument/2006/relationships" xmlns:p="http://schemas.openxmlformats.org/presentationml/2006/main">
   <p:cSld>
     <p:spTree>
@@ -12961,7 +13040,7 @@
 </p:sld>
 </file>
 
-<file path=ppt/slides/slide38.xml><?xml version="1.0" encoding="utf-8"?>
+<file path=ppt/slides/slide39.xml><?xml version="1.0" encoding="utf-8"?>
 <p:sld xmlns:a="http://schemas.openxmlformats.org/drawingml/2006/main" xmlns:r="http://schemas.openxmlformats.org/officeDocument/2006/relationships" xmlns:p="http://schemas.openxmlformats.org/presentationml/2006/main">
   <p:cSld>
     <p:spTree>
@@ -20284,7 +20363,113 @@
 </p:sld>
 </file>
 
-<file path=ppt/slides/slide39.xml><?xml version="1.0" encoding="utf-8"?>
+<file path=ppt/slides/slide4.xml><?xml version="1.0" encoding="utf-8"?>
+<p:sld xmlns:a="http://schemas.openxmlformats.org/drawingml/2006/main" xmlns:r="http://schemas.openxmlformats.org/officeDocument/2006/relationships" xmlns:p="http://schemas.openxmlformats.org/presentationml/2006/main">
+  <p:cSld>
+    <p:spTree>
+      <p:nvGrpSpPr>
+        <p:cNvPr id="1" name=""/>
+        <p:cNvGrpSpPr/>
+        <p:nvPr/>
+      </p:nvGrpSpPr>
+      <p:grpSpPr>
+        <a:xfrm>
+          <a:off x="0" y="0"/>
+          <a:ext cx="0" cy="0"/>
+          <a:chOff x="0" y="0"/>
+          <a:chExt cx="0" cy="0"/>
+        </a:xfrm>
+      </p:grpSpPr>
+      <p:pic>
+        <p:nvPicPr>
+          <p:cNvPr id="38" name="图片 37"/>
+          <p:cNvPicPr>
+            <a:picLocks noChangeAspect="1"/>
+          </p:cNvPicPr>
+          <p:nvPr/>
+        </p:nvPicPr>
+        <p:blipFill>
+          <a:blip r:embed="rId1"/>
+          <a:stretch>
+            <a:fillRect/>
+          </a:stretch>
+        </p:blipFill>
+        <p:spPr>
+          <a:xfrm flipH="1">
+            <a:off x="392589" y="382858"/>
+            <a:ext cx="1065570" cy="1059575"/>
+          </a:xfrm>
+          <a:prstGeom prst="rect">
+            <a:avLst/>
+          </a:prstGeom>
+        </p:spPr>
+      </p:pic>
+      <p:sp>
+        <p:nvSpPr>
+          <p:cNvPr id="5" name="文本框 4"/>
+          <p:cNvSpPr txBox="1"/>
+          <p:nvPr/>
+        </p:nvSpPr>
+        <p:spPr>
+          <a:xfrm>
+            <a:off x="1692275" y="1726565"/>
+            <a:ext cx="8807450" cy="2919730"/>
+          </a:xfrm>
+          <a:prstGeom prst="rect">
+            <a:avLst/>
+          </a:prstGeom>
+          <a:noFill/>
+        </p:spPr>
+        <p:txBody>
+          <a:bodyPr wrap="square" rtlCol="0">
+            <a:noAutofit/>
+          </a:bodyPr>
+          <a:p>
+            <a:pPr algn="ctr"/>
+            <a:r>
+              <a:rPr lang="en-US" altLang="zh-CN" sz="2800">
+                <a:solidFill>
+                  <a:schemeClr val="bg1"/>
+                </a:solidFill>
+              </a:rPr>
+              <a:t>       This powerpoint details the design, implementation, and features of the City Emergency Response Management System. The project's core purpose is to provide an efficient and intuitive platform for managing urban emergencies by leveraging and comparing different priority queue data structures. Through this system, we demonstrate the practical application of various data structures, their performance characteristics, and their impact on realworld emergency management scenarios.</a:t>
+            </a:r>
+            <a:endParaRPr lang="en-US" altLang="zh-CN" sz="2800">
+              <a:solidFill>
+                <a:schemeClr val="bg1"/>
+              </a:solidFill>
+            </a:endParaRPr>
+          </a:p>
+        </p:txBody>
+      </p:sp>
+    </p:spTree>
+  </p:cSld>
+  <p:clrMapOvr>
+    <a:masterClrMapping/>
+  </p:clrMapOvr>
+  <mc:AlternateContent xmlns:mc="http://schemas.openxmlformats.org/markup-compatibility/2006">
+    <mc:Choice xmlns:p14="http://schemas.microsoft.com/office/powerpoint/2010/main" Requires="p14">
+      <p:transition spd="slow" p14:dur="1500">
+        <p:random/>
+      </p:transition>
+    </mc:Choice>
+    <mc:Fallback>
+      <p:transition spd="slow">
+        <p:random/>
+      </p:transition>
+    </mc:Fallback>
+  </mc:AlternateContent>
+  <p:timing>
+    <p:tnLst>
+      <p:par>
+        <p:cTn id="1" dur="indefinite" restart="never" nodeType="tmRoot"/>
+      </p:par>
+    </p:tnLst>
+  </p:timing>
+</p:sld>
+</file>
+
+<file path=ppt/slides/slide40.xml><?xml version="1.0" encoding="utf-8"?>
 <p:sld xmlns:a="http://schemas.openxmlformats.org/drawingml/2006/main" xmlns:r="http://schemas.openxmlformats.org/officeDocument/2006/relationships" xmlns:p="http://schemas.openxmlformats.org/presentationml/2006/main">
   <p:cSld>
     <p:spTree>
@@ -21053,113 +21238,7 @@
 </p:sld>
 </file>
 
-<file path=ppt/slides/slide4.xml><?xml version="1.0" encoding="utf-8"?>
-<p:sld xmlns:a="http://schemas.openxmlformats.org/drawingml/2006/main" xmlns:r="http://schemas.openxmlformats.org/officeDocument/2006/relationships" xmlns:p="http://schemas.openxmlformats.org/presentationml/2006/main">
-  <p:cSld>
-    <p:spTree>
-      <p:nvGrpSpPr>
-        <p:cNvPr id="1" name=""/>
-        <p:cNvGrpSpPr/>
-        <p:nvPr/>
-      </p:nvGrpSpPr>
-      <p:grpSpPr>
-        <a:xfrm>
-          <a:off x="0" y="0"/>
-          <a:ext cx="0" cy="0"/>
-          <a:chOff x="0" y="0"/>
-          <a:chExt cx="0" cy="0"/>
-        </a:xfrm>
-      </p:grpSpPr>
-      <p:pic>
-        <p:nvPicPr>
-          <p:cNvPr id="38" name="图片 37"/>
-          <p:cNvPicPr>
-            <a:picLocks noChangeAspect="1"/>
-          </p:cNvPicPr>
-          <p:nvPr/>
-        </p:nvPicPr>
-        <p:blipFill>
-          <a:blip r:embed="rId1"/>
-          <a:stretch>
-            <a:fillRect/>
-          </a:stretch>
-        </p:blipFill>
-        <p:spPr>
-          <a:xfrm flipH="1">
-            <a:off x="392589" y="382858"/>
-            <a:ext cx="1065570" cy="1059575"/>
-          </a:xfrm>
-          <a:prstGeom prst="rect">
-            <a:avLst/>
-          </a:prstGeom>
-        </p:spPr>
-      </p:pic>
-      <p:sp>
-        <p:nvSpPr>
-          <p:cNvPr id="5" name="文本框 4"/>
-          <p:cNvSpPr txBox="1"/>
-          <p:nvPr/>
-        </p:nvSpPr>
-        <p:spPr>
-          <a:xfrm>
-            <a:off x="1692275" y="1726565"/>
-            <a:ext cx="8807450" cy="2919730"/>
-          </a:xfrm>
-          <a:prstGeom prst="rect">
-            <a:avLst/>
-          </a:prstGeom>
-          <a:noFill/>
-        </p:spPr>
-        <p:txBody>
-          <a:bodyPr wrap="square" rtlCol="0">
-            <a:noAutofit/>
-          </a:bodyPr>
-          <a:p>
-            <a:pPr algn="ctr"/>
-            <a:r>
-              <a:rPr lang="en-US" altLang="zh-CN" sz="2800">
-                <a:solidFill>
-                  <a:schemeClr val="bg1"/>
-                </a:solidFill>
-              </a:rPr>
-              <a:t>       This powerpoint details the design, implementation, and features of the City Emergency Response Management System. The project's core purpose is to provide an efficient and intuitive platform for managing urban emergencies by leveraging and comparing different priority queue data structures. Through this system, we demonstrate the practical application of various data structures, their performance characteristics, and their impact on realworld emergency management scenarios.</a:t>
-            </a:r>
-            <a:endParaRPr lang="en-US" altLang="zh-CN" sz="2800">
-              <a:solidFill>
-                <a:schemeClr val="bg1"/>
-              </a:solidFill>
-            </a:endParaRPr>
-          </a:p>
-        </p:txBody>
-      </p:sp>
-    </p:spTree>
-  </p:cSld>
-  <p:clrMapOvr>
-    <a:masterClrMapping/>
-  </p:clrMapOvr>
-  <mc:AlternateContent xmlns:mc="http://schemas.openxmlformats.org/markup-compatibility/2006">
-    <mc:Choice xmlns:p14="http://schemas.microsoft.com/office/powerpoint/2010/main" Requires="p14">
-      <p:transition spd="slow" p14:dur="1500">
-        <p:random/>
-      </p:transition>
-    </mc:Choice>
-    <mc:Fallback>
-      <p:transition spd="slow">
-        <p:random/>
-      </p:transition>
-    </mc:Fallback>
-  </mc:AlternateContent>
-  <p:timing>
-    <p:tnLst>
-      <p:par>
-        <p:cTn id="1" dur="indefinite" restart="never" nodeType="tmRoot"/>
-      </p:par>
-    </p:tnLst>
-  </p:timing>
-</p:sld>
-</file>
-
-<file path=ppt/slides/slide40.xml><?xml version="1.0" encoding="utf-8"?>
+<file path=ppt/slides/slide41.xml><?xml version="1.0" encoding="utf-8"?>
 <p:sld xmlns:a="http://schemas.openxmlformats.org/drawingml/2006/main" xmlns:r="http://schemas.openxmlformats.org/officeDocument/2006/relationships" xmlns:p="http://schemas.openxmlformats.org/presentationml/2006/main">
   <p:cSld>
     <p:spTree>
@@ -21464,7 +21543,7 @@
 </p:sld>
 </file>
 
-<file path=ppt/slides/slide41.xml><?xml version="1.0" encoding="utf-8"?>
+<file path=ppt/slides/slide42.xml><?xml version="1.0" encoding="utf-8"?>
 <p:sld xmlns:a="http://schemas.openxmlformats.org/drawingml/2006/main" xmlns:r="http://schemas.openxmlformats.org/officeDocument/2006/relationships" xmlns:p="http://schemas.openxmlformats.org/presentationml/2006/main">
   <p:cSld>
     <p:spTree>
@@ -22233,7 +22312,7 @@
 </p:sld>
 </file>
 
-<file path=ppt/slides/slide42.xml><?xml version="1.0" encoding="utf-8"?>
+<file path=ppt/slides/slide43.xml><?xml version="1.0" encoding="utf-8"?>
 <p:sld xmlns:a="http://schemas.openxmlformats.org/drawingml/2006/main" xmlns:r="http://schemas.openxmlformats.org/officeDocument/2006/relationships" xmlns:p="http://schemas.openxmlformats.org/presentationml/2006/main">
   <p:cSld>
     <p:spTree>
@@ -22504,7 +22583,7 @@
 </p:sld>
 </file>
 
-<file path=ppt/slides/slide43.xml><?xml version="1.0" encoding="utf-8"?>
+<file path=ppt/slides/slide44.xml><?xml version="1.0" encoding="utf-8"?>
 <p:sld xmlns:a="http://schemas.openxmlformats.org/drawingml/2006/main" xmlns:r="http://schemas.openxmlformats.org/officeDocument/2006/relationships" xmlns:p="http://schemas.openxmlformats.org/presentationml/2006/main">
   <p:cSld>
     <p:spTree>
@@ -22774,7 +22853,7 @@
 </p:sld>
 </file>
 
-<file path=ppt/slides/slide44.xml><?xml version="1.0" encoding="utf-8"?>
+<file path=ppt/slides/slide45.xml><?xml version="1.0" encoding="utf-8"?>
 <p:sld xmlns:a="http://schemas.openxmlformats.org/drawingml/2006/main" xmlns:r="http://schemas.openxmlformats.org/officeDocument/2006/relationships" xmlns:p="http://schemas.openxmlformats.org/presentationml/2006/main">
   <p:cSld>
     <p:spTree>
@@ -23544,7 +23623,7 @@
 </p:sld>
 </file>
 
-<file path=ppt/slides/slide45.xml><?xml version="1.0" encoding="utf-8"?>
+<file path=ppt/slides/slide46.xml><?xml version="1.0" encoding="utf-8"?>
 <p:sld xmlns:a="http://schemas.openxmlformats.org/drawingml/2006/main" xmlns:r="http://schemas.openxmlformats.org/officeDocument/2006/relationships" xmlns:p="http://schemas.openxmlformats.org/presentationml/2006/main">
   <p:cSld>
     <p:spTree>
@@ -23697,7 +23776,7 @@
 </p:sld>
 </file>
 
-<file path=ppt/slides/slide46.xml><?xml version="1.0" encoding="utf-8"?>
+<file path=ppt/slides/slide47.xml><?xml version="1.0" encoding="utf-8"?>
 <p:sld xmlns:a="http://schemas.openxmlformats.org/drawingml/2006/main" xmlns:r="http://schemas.openxmlformats.org/officeDocument/2006/relationships" xmlns:p="http://schemas.openxmlformats.org/presentationml/2006/main">
   <p:cSld>
     <p:spTree>
